--- a/Черновик презентации.pptx
+++ b/Черновик презентации.pptx
@@ -7,6 +7,8 @@
   <p:sldIdLst>
     <p:sldId id="256" r:id="rId3"/>
     <p:sldId id="257" r:id="rId4"/>
+    <p:sldId id="258" r:id="rId5"/>
+    <p:sldId id="259" r:id="rId6"/>
   </p:sldIdLst>
   <p:sldSz cx="12192000" cy="6858000"/>
   <p:notesSz cx="12192000" cy="6858000"/>
@@ -16,6 +18,2053 @@
     </a:defPPr>
   </p:defaultTextStyle>
 </p:presentation>
+</file>
+
+<file path=ppt/charts/chart1.xml><?xml version="1.0" encoding="utf-8"?>
+<c:chartSpace xmlns:c="http://schemas.openxmlformats.org/drawingml/2006/chart" xmlns:a="http://schemas.openxmlformats.org/drawingml/2006/main" xmlns:r="http://schemas.openxmlformats.org/officeDocument/2006/relationships" xmlns:mc="http://schemas.openxmlformats.org/markup-compatibility/2006" xmlns:c15="http://schemas.microsoft.com/office/drawing/2012/chart" xmlns:c14="http://schemas.microsoft.com/office/drawing/2007/8/2/chart" xmlns:c16r2="http://schemas.microsoft.com/office/drawing/2015/06/chart">
+  <c:date1904 val="0"/>
+  <c:lang val="en-US"/>
+  <c:roundedCorners val="0"/>
+  <mc:AlternateContent>
+    <mc:Choice Requires="c14">
+      <c14:style val="102"/>
+    </mc:Choice>
+    <mc:Fallback>
+      <c:style val="2"/>
+    </mc:Fallback>
+  </mc:AlternateContent>
+  <c:chart>
+    <c:title>
+      <c:tx>
+        <c:rich>
+          <a:bodyPr/>
+          <a:p>
+            <a:pPr>
+              <a:defRPr sz="1400" b="0" spc="0">
+                <a:solidFill>
+                  <a:schemeClr val="tx1">
+                    <a:lumMod val="65000"/>
+                    <a:lumOff val="35000"/>
+                  </a:schemeClr>
+                </a:solidFill>
+                <a:latin typeface="+mn-lt"/>
+                <a:ea typeface="+mn-ea"/>
+                <a:cs typeface="+mn-cs"/>
+              </a:defRPr>
+            </a:pPr>
+            <a:r>
+              <a:rPr/>
+              <a:t>Опрошенные ученики</a:t>
+            </a:r>
+            <a:endParaRPr/>
+          </a:p>
+        </c:rich>
+      </c:tx>
+      <c:layout/>
+      <c:overlay val="0"/>
+      <c:spPr bwMode="auto">
+        <a:prstGeom prst="rect">
+          <a:avLst/>
+        </a:prstGeom>
+        <a:noFill/>
+        <a:ln>
+          <a:noFill/>
+        </a:ln>
+      </c:spPr>
+      <c:txPr>
+        <a:bodyPr/>
+        <a:p>
+          <a:pPr>
+            <a:defRPr sz="1400" b="0" spc="0">
+              <a:solidFill>
+                <a:schemeClr val="tx1">
+                  <a:lumMod val="65000"/>
+                  <a:lumOff val="35000"/>
+                </a:schemeClr>
+              </a:solidFill>
+              <a:latin typeface="+mn-lt"/>
+              <a:ea typeface="+mn-ea"/>
+              <a:cs typeface="+mn-cs"/>
+            </a:defRPr>
+          </a:pPr>
+          <a:endParaRPr/>
+        </a:p>
+      </c:txPr>
+    </c:title>
+    <c:autoTitleDeleted val="0"/>
+    <c:plotArea>
+      <c:layout>
+        <c:manualLayout/>
+      </c:layout>
+      <c:pieChart>
+        <c:varyColors val="1"/>
+        <c:ser>
+          <c:idx val="0"/>
+          <c:order val="0"/>
+          <c:tx>
+            <c:strRef>
+              <c:f>Sheet1!$B$1</c:f>
+              <c:strCache>
+                <c:ptCount val="1"/>
+              </c:strCache>
+            </c:strRef>
+          </c:tx>
+          <c:dPt>
+            <c:idx val="0"/>
+            <c:spPr bwMode="auto">
+              <a:prstGeom prst="rect">
+                <a:avLst/>
+              </a:prstGeom>
+              <a:solidFill>
+                <a:schemeClr val="accent1"/>
+              </a:solidFill>
+              <a:ln w="19050">
+                <a:solidFill>
+                  <a:schemeClr val="lt1"/>
+                </a:solidFill>
+              </a:ln>
+            </c:spPr>
+          </c:dPt>
+          <c:dPt>
+            <c:idx val="1"/>
+            <c:spPr bwMode="auto">
+              <a:prstGeom prst="rect">
+                <a:avLst/>
+              </a:prstGeom>
+              <a:solidFill>
+                <a:schemeClr val="accent2"/>
+              </a:solidFill>
+              <a:ln w="19050">
+                <a:solidFill>
+                  <a:schemeClr val="lt1"/>
+                </a:solidFill>
+              </a:ln>
+            </c:spPr>
+          </c:dPt>
+          <c:dPt>
+            <c:idx val="2"/>
+            <c:spPr bwMode="auto">
+              <a:prstGeom prst="rect">
+                <a:avLst/>
+              </a:prstGeom>
+              <a:solidFill>
+                <a:schemeClr val="accent3"/>
+              </a:solidFill>
+              <a:ln w="19050">
+                <a:solidFill>
+                  <a:schemeClr val="lt1"/>
+                </a:solidFill>
+              </a:ln>
+            </c:spPr>
+          </c:dPt>
+          <c:dPt>
+            <c:idx val="3"/>
+            <c:spPr bwMode="auto">
+              <a:prstGeom prst="rect">
+                <a:avLst/>
+              </a:prstGeom>
+              <a:solidFill>
+                <a:schemeClr val="accent4"/>
+              </a:solidFill>
+              <a:ln w="19050">
+                <a:solidFill>
+                  <a:schemeClr val="lt1"/>
+                </a:solidFill>
+              </a:ln>
+            </c:spPr>
+          </c:dPt>
+          <c:dPt>
+            <c:idx val="4"/>
+            <c:spPr bwMode="auto">
+              <a:prstGeom prst="rect">
+                <a:avLst/>
+              </a:prstGeom>
+              <a:solidFill>
+                <a:schemeClr val="accent5"/>
+              </a:solidFill>
+              <a:ln w="19050">
+                <a:solidFill>
+                  <a:schemeClr val="lt1"/>
+                </a:solidFill>
+              </a:ln>
+            </c:spPr>
+          </c:dPt>
+          <c:dPt>
+            <c:idx val="5"/>
+            <c:spPr bwMode="auto">
+              <a:prstGeom prst="rect">
+                <a:avLst/>
+              </a:prstGeom>
+              <a:solidFill>
+                <a:schemeClr val="accent6"/>
+              </a:solidFill>
+              <a:ln w="19050">
+                <a:solidFill>
+                  <a:schemeClr val="lt1"/>
+                </a:solidFill>
+              </a:ln>
+            </c:spPr>
+          </c:dPt>
+          <c:dLbls>
+            <c:dLbl>
+              <c:idx val="0"/>
+              <c:dLblPos val="ctr"/>
+              <c:layout/>
+              <c:showBubbleSize val="0"/>
+              <c:showCatName val="0"/>
+              <c:showLegendKey val="0"/>
+              <c:showPercent val="0"/>
+              <c:showSerName val="0"/>
+              <c:showVal val="0"/>
+              <c:spPr bwMode="auto">
+                <a:prstGeom prst="rect">
+                  <a:avLst/>
+                </a:prstGeom>
+                <a:noFill/>
+                <a:ln>
+                  <a:noFill/>
+                </a:ln>
+              </c:spPr>
+              <c:txPr>
+                <a:bodyPr/>
+                <a:p>
+                  <a:pPr>
+                    <a:defRPr sz="900">
+                      <a:solidFill>
+                        <a:schemeClr val="tx1">
+                          <a:lumMod val="75000"/>
+                          <a:lumOff val="25000"/>
+                        </a:schemeClr>
+                      </a:solidFill>
+                      <a:latin typeface="+mn-lt"/>
+                      <a:ea typeface="+mn-ea"/>
+                      <a:cs typeface="+mn-cs"/>
+                    </a:defRPr>
+                  </a:pPr>
+                  <a:endParaRPr/>
+                </a:p>
+              </c:txPr>
+            </c:dLbl>
+            <c:dLbl>
+              <c:idx val="1"/>
+              <c:dLblPos val="ctr"/>
+              <c:layout/>
+              <c:showBubbleSize val="0"/>
+              <c:showCatName val="0"/>
+              <c:showLegendKey val="0"/>
+              <c:showPercent val="0"/>
+              <c:showSerName val="0"/>
+              <c:showVal val="0"/>
+              <c:spPr bwMode="auto">
+                <a:prstGeom prst="rect">
+                  <a:avLst/>
+                </a:prstGeom>
+                <a:noFill/>
+                <a:ln>
+                  <a:noFill/>
+                </a:ln>
+              </c:spPr>
+              <c:txPr>
+                <a:bodyPr/>
+                <a:p>
+                  <a:pPr>
+                    <a:defRPr sz="900">
+                      <a:solidFill>
+                        <a:schemeClr val="tx1">
+                          <a:lumMod val="75000"/>
+                          <a:lumOff val="25000"/>
+                        </a:schemeClr>
+                      </a:solidFill>
+                      <a:latin typeface="+mn-lt"/>
+                      <a:ea typeface="+mn-ea"/>
+                      <a:cs typeface="+mn-cs"/>
+                    </a:defRPr>
+                  </a:pPr>
+                  <a:endParaRPr/>
+                </a:p>
+              </c:txPr>
+            </c:dLbl>
+            <c:dLbl>
+              <c:idx val="2"/>
+              <c:dLblPos val="ctr"/>
+              <c:layout/>
+              <c:showBubbleSize val="0"/>
+              <c:showCatName val="0"/>
+              <c:showLegendKey val="0"/>
+              <c:showPercent val="0"/>
+              <c:showSerName val="0"/>
+              <c:showVal val="0"/>
+              <c:spPr bwMode="auto">
+                <a:prstGeom prst="rect">
+                  <a:avLst/>
+                </a:prstGeom>
+                <a:noFill/>
+                <a:ln>
+                  <a:noFill/>
+                </a:ln>
+              </c:spPr>
+              <c:txPr>
+                <a:bodyPr/>
+                <a:p>
+                  <a:pPr>
+                    <a:defRPr sz="900">
+                      <a:solidFill>
+                        <a:schemeClr val="tx1">
+                          <a:lumMod val="75000"/>
+                          <a:lumOff val="25000"/>
+                        </a:schemeClr>
+                      </a:solidFill>
+                      <a:latin typeface="+mn-lt"/>
+                      <a:ea typeface="+mn-ea"/>
+                      <a:cs typeface="+mn-cs"/>
+                    </a:defRPr>
+                  </a:pPr>
+                  <a:endParaRPr/>
+                </a:p>
+              </c:txPr>
+            </c:dLbl>
+            <c:dLbl>
+              <c:idx val="3"/>
+              <c:dLblPos val="ctr"/>
+              <c:layout/>
+              <c:showBubbleSize val="0"/>
+              <c:showCatName val="0"/>
+              <c:showLegendKey val="0"/>
+              <c:showPercent val="0"/>
+              <c:showSerName val="0"/>
+              <c:showVal val="0"/>
+              <c:spPr bwMode="auto">
+                <a:prstGeom prst="rect">
+                  <a:avLst/>
+                </a:prstGeom>
+                <a:noFill/>
+                <a:ln>
+                  <a:noFill/>
+                </a:ln>
+              </c:spPr>
+              <c:txPr>
+                <a:bodyPr/>
+                <a:p>
+                  <a:pPr>
+                    <a:defRPr sz="900">
+                      <a:solidFill>
+                        <a:schemeClr val="tx1">
+                          <a:lumMod val="75000"/>
+                          <a:lumOff val="25000"/>
+                        </a:schemeClr>
+                      </a:solidFill>
+                      <a:latin typeface="+mn-lt"/>
+                      <a:ea typeface="+mn-ea"/>
+                      <a:cs typeface="+mn-cs"/>
+                    </a:defRPr>
+                  </a:pPr>
+                  <a:endParaRPr/>
+                </a:p>
+              </c:txPr>
+            </c:dLbl>
+            <c:dLbl>
+              <c:idx val="4"/>
+              <c:dLblPos val="ctr"/>
+              <c:layout/>
+              <c:showBubbleSize val="0"/>
+              <c:showCatName val="0"/>
+              <c:showLegendKey val="0"/>
+              <c:showPercent val="0"/>
+              <c:showSerName val="0"/>
+              <c:showVal val="0"/>
+              <c:spPr bwMode="auto">
+                <a:prstGeom prst="rect">
+                  <a:avLst/>
+                </a:prstGeom>
+                <a:noFill/>
+                <a:ln>
+                  <a:noFill/>
+                </a:ln>
+              </c:spPr>
+              <c:txPr>
+                <a:bodyPr/>
+                <a:p>
+                  <a:pPr>
+                    <a:defRPr sz="900">
+                      <a:solidFill>
+                        <a:schemeClr val="tx1">
+                          <a:lumMod val="75000"/>
+                          <a:lumOff val="25000"/>
+                        </a:schemeClr>
+                      </a:solidFill>
+                      <a:latin typeface="+mn-lt"/>
+                      <a:ea typeface="+mn-ea"/>
+                      <a:cs typeface="+mn-cs"/>
+                    </a:defRPr>
+                  </a:pPr>
+                  <a:endParaRPr/>
+                </a:p>
+              </c:txPr>
+            </c:dLbl>
+            <c:dLbl>
+              <c:idx val="5"/>
+              <c:dLblPos val="ctr"/>
+              <c:layout/>
+              <c:showBubbleSize val="0"/>
+              <c:showCatName val="0"/>
+              <c:showLegendKey val="0"/>
+              <c:showPercent val="0"/>
+              <c:showSerName val="0"/>
+              <c:showVal val="0"/>
+              <c:spPr bwMode="auto">
+                <a:prstGeom prst="rect">
+                  <a:avLst/>
+                </a:prstGeom>
+                <a:noFill/>
+                <a:ln>
+                  <a:noFill/>
+                </a:ln>
+              </c:spPr>
+              <c:txPr>
+                <a:bodyPr/>
+                <a:p>
+                  <a:pPr>
+                    <a:defRPr sz="900">
+                      <a:solidFill>
+                        <a:schemeClr val="tx1">
+                          <a:lumMod val="75000"/>
+                          <a:lumOff val="25000"/>
+                        </a:schemeClr>
+                      </a:solidFill>
+                      <a:latin typeface="+mn-lt"/>
+                      <a:ea typeface="+mn-ea"/>
+                      <a:cs typeface="+mn-cs"/>
+                    </a:defRPr>
+                  </a:pPr>
+                  <a:endParaRPr/>
+                </a:p>
+              </c:txPr>
+            </c:dLbl>
+            <c:dLblPos val="ctr"/>
+            <c:showBubbleSize val="0"/>
+            <c:showCatName val="0"/>
+            <c:showLeaderLines val="1"/>
+            <c:showLegendKey val="0"/>
+            <c:showPercent val="0"/>
+            <c:showSerName val="0"/>
+            <c:showVal val="0"/>
+            <c:spPr bwMode="auto">
+              <a:prstGeom prst="rect">
+                <a:avLst/>
+              </a:prstGeom>
+              <a:noFill/>
+              <a:ln>
+                <a:noFill/>
+              </a:ln>
+            </c:spPr>
+            <c:txPr>
+              <a:bodyPr/>
+              <a:p>
+                <a:pPr>
+                  <a:defRPr sz="900">
+                    <a:solidFill>
+                      <a:schemeClr val="tx1">
+                        <a:lumMod val="75000"/>
+                        <a:lumOff val="25000"/>
+                      </a:schemeClr>
+                    </a:solidFill>
+                    <a:latin typeface="+mn-lt"/>
+                    <a:ea typeface="+mn-ea"/>
+                    <a:cs typeface="+mn-cs"/>
+                  </a:defRPr>
+                </a:pPr>
+                <a:endParaRPr/>
+              </a:p>
+            </c:txPr>
+          </c:dLbls>
+          <c:cat>
+            <c:strRef>
+              <c:f>Sheet1!$A$2:$A$7</c:f>
+              <c:strCache>
+                <c:ptCount val="6"/>
+                <c:pt idx="0">
+                  <c:v>Знают</c:v>
+                </c:pt>
+                <c:pt idx="1">
+                  <c:v xml:space="preserve">Затрудняются ответить</c:v>
+                </c:pt>
+                <c:pt idx="2">
+                  <c:v xml:space="preserve">Не знают</c:v>
+                </c:pt>
+              </c:strCache>
+            </c:strRef>
+          </c:cat>
+          <c:val>
+            <c:numRef>
+              <c:f>Sheet1!$B$2:$B$7</c:f>
+              <c:numCache>
+                <c:formatCode>General</c:formatCode>
+                <c:ptCount val="6"/>
+                <c:pt idx="0">
+                  <c:v>1</c:v>
+                </c:pt>
+                <c:pt idx="1">
+                  <c:v>2</c:v>
+                </c:pt>
+                <c:pt idx="2">
+                  <c:v>11</c:v>
+                </c:pt>
+              </c:numCache>
+            </c:numRef>
+          </c:val>
+        </c:ser>
+        <c:ser>
+          <c:idx val="1"/>
+          <c:order val="1"/>
+          <c:tx>
+            <c:strRef>
+              <c:f>Sheet1!$C$1</c:f>
+              <c:strCache>
+                <c:ptCount val="1"/>
+              </c:strCache>
+            </c:strRef>
+          </c:tx>
+          <c:dPt>
+            <c:idx val="0"/>
+            <c:spPr bwMode="auto">
+              <a:prstGeom prst="rect">
+                <a:avLst/>
+              </a:prstGeom>
+              <a:solidFill>
+                <a:schemeClr val="accent1"/>
+              </a:solidFill>
+              <a:ln w="19050">
+                <a:solidFill>
+                  <a:schemeClr val="lt1"/>
+                </a:solidFill>
+              </a:ln>
+            </c:spPr>
+          </c:dPt>
+          <c:dPt>
+            <c:idx val="1"/>
+            <c:spPr bwMode="auto">
+              <a:prstGeom prst="rect">
+                <a:avLst/>
+              </a:prstGeom>
+              <a:solidFill>
+                <a:schemeClr val="accent2"/>
+              </a:solidFill>
+              <a:ln w="19050">
+                <a:solidFill>
+                  <a:schemeClr val="lt1"/>
+                </a:solidFill>
+              </a:ln>
+            </c:spPr>
+          </c:dPt>
+          <c:dPt>
+            <c:idx val="2"/>
+            <c:spPr bwMode="auto">
+              <a:prstGeom prst="rect">
+                <a:avLst/>
+              </a:prstGeom>
+              <a:solidFill>
+                <a:schemeClr val="accent3"/>
+              </a:solidFill>
+              <a:ln w="19050">
+                <a:solidFill>
+                  <a:schemeClr val="lt1"/>
+                </a:solidFill>
+              </a:ln>
+            </c:spPr>
+          </c:dPt>
+          <c:dPt>
+            <c:idx val="3"/>
+            <c:spPr bwMode="auto">
+              <a:prstGeom prst="rect">
+                <a:avLst/>
+              </a:prstGeom>
+              <a:solidFill>
+                <a:schemeClr val="accent4"/>
+              </a:solidFill>
+              <a:ln w="19050">
+                <a:solidFill>
+                  <a:schemeClr val="lt1"/>
+                </a:solidFill>
+              </a:ln>
+            </c:spPr>
+          </c:dPt>
+          <c:dPt>
+            <c:idx val="4"/>
+            <c:spPr bwMode="auto">
+              <a:prstGeom prst="rect">
+                <a:avLst/>
+              </a:prstGeom>
+              <a:solidFill>
+                <a:schemeClr val="accent5"/>
+              </a:solidFill>
+              <a:ln w="19050">
+                <a:solidFill>
+                  <a:schemeClr val="lt1"/>
+                </a:solidFill>
+              </a:ln>
+            </c:spPr>
+          </c:dPt>
+          <c:dPt>
+            <c:idx val="5"/>
+            <c:spPr bwMode="auto">
+              <a:prstGeom prst="rect">
+                <a:avLst/>
+              </a:prstGeom>
+              <a:solidFill>
+                <a:schemeClr val="accent6"/>
+              </a:solidFill>
+              <a:ln w="19050">
+                <a:solidFill>
+                  <a:schemeClr val="lt1"/>
+                </a:solidFill>
+              </a:ln>
+            </c:spPr>
+          </c:dPt>
+          <c:dLbls>
+            <c:dLbl>
+              <c:idx val="0"/>
+              <c:dLblPos val="ctr"/>
+              <c:layout/>
+              <c:showBubbleSize val="0"/>
+              <c:showCatName val="0"/>
+              <c:showLegendKey val="0"/>
+              <c:showPercent val="0"/>
+              <c:showSerName val="0"/>
+              <c:showVal val="0"/>
+              <c:spPr bwMode="auto">
+                <a:prstGeom prst="rect">
+                  <a:avLst/>
+                </a:prstGeom>
+                <a:noFill/>
+                <a:ln>
+                  <a:noFill/>
+                </a:ln>
+              </c:spPr>
+              <c:txPr>
+                <a:bodyPr/>
+                <a:p>
+                  <a:pPr>
+                    <a:defRPr sz="900">
+                      <a:solidFill>
+                        <a:schemeClr val="tx1">
+                          <a:lumMod val="75000"/>
+                          <a:lumOff val="25000"/>
+                        </a:schemeClr>
+                      </a:solidFill>
+                      <a:latin typeface="+mn-lt"/>
+                      <a:ea typeface="+mn-ea"/>
+                      <a:cs typeface="+mn-cs"/>
+                    </a:defRPr>
+                  </a:pPr>
+                  <a:endParaRPr/>
+                </a:p>
+              </c:txPr>
+            </c:dLbl>
+            <c:dLbl>
+              <c:idx val="1"/>
+              <c:dLblPos val="ctr"/>
+              <c:layout/>
+              <c:showBubbleSize val="0"/>
+              <c:showCatName val="0"/>
+              <c:showLegendKey val="0"/>
+              <c:showPercent val="0"/>
+              <c:showSerName val="0"/>
+              <c:showVal val="0"/>
+              <c:spPr bwMode="auto">
+                <a:prstGeom prst="rect">
+                  <a:avLst/>
+                </a:prstGeom>
+                <a:noFill/>
+                <a:ln>
+                  <a:noFill/>
+                </a:ln>
+              </c:spPr>
+              <c:txPr>
+                <a:bodyPr/>
+                <a:p>
+                  <a:pPr>
+                    <a:defRPr sz="900">
+                      <a:solidFill>
+                        <a:schemeClr val="tx1">
+                          <a:lumMod val="75000"/>
+                          <a:lumOff val="25000"/>
+                        </a:schemeClr>
+                      </a:solidFill>
+                      <a:latin typeface="+mn-lt"/>
+                      <a:ea typeface="+mn-ea"/>
+                      <a:cs typeface="+mn-cs"/>
+                    </a:defRPr>
+                  </a:pPr>
+                  <a:endParaRPr/>
+                </a:p>
+              </c:txPr>
+            </c:dLbl>
+            <c:dLbl>
+              <c:idx val="2"/>
+              <c:dLblPos val="ctr"/>
+              <c:layout/>
+              <c:showBubbleSize val="0"/>
+              <c:showCatName val="0"/>
+              <c:showLegendKey val="0"/>
+              <c:showPercent val="0"/>
+              <c:showSerName val="0"/>
+              <c:showVal val="0"/>
+              <c:spPr bwMode="auto">
+                <a:prstGeom prst="rect">
+                  <a:avLst/>
+                </a:prstGeom>
+                <a:noFill/>
+                <a:ln>
+                  <a:noFill/>
+                </a:ln>
+              </c:spPr>
+              <c:txPr>
+                <a:bodyPr/>
+                <a:p>
+                  <a:pPr>
+                    <a:defRPr sz="900">
+                      <a:solidFill>
+                        <a:schemeClr val="tx1">
+                          <a:lumMod val="75000"/>
+                          <a:lumOff val="25000"/>
+                        </a:schemeClr>
+                      </a:solidFill>
+                      <a:latin typeface="+mn-lt"/>
+                      <a:ea typeface="+mn-ea"/>
+                      <a:cs typeface="+mn-cs"/>
+                    </a:defRPr>
+                  </a:pPr>
+                  <a:endParaRPr/>
+                </a:p>
+              </c:txPr>
+            </c:dLbl>
+            <c:dLbl>
+              <c:idx val="3"/>
+              <c:dLblPos val="ctr"/>
+              <c:layout/>
+              <c:showBubbleSize val="0"/>
+              <c:showCatName val="0"/>
+              <c:showLegendKey val="0"/>
+              <c:showPercent val="0"/>
+              <c:showSerName val="0"/>
+              <c:showVal val="0"/>
+              <c:spPr bwMode="auto">
+                <a:prstGeom prst="rect">
+                  <a:avLst/>
+                </a:prstGeom>
+                <a:noFill/>
+                <a:ln>
+                  <a:noFill/>
+                </a:ln>
+              </c:spPr>
+              <c:txPr>
+                <a:bodyPr/>
+                <a:p>
+                  <a:pPr>
+                    <a:defRPr sz="900">
+                      <a:solidFill>
+                        <a:schemeClr val="tx1">
+                          <a:lumMod val="75000"/>
+                          <a:lumOff val="25000"/>
+                        </a:schemeClr>
+                      </a:solidFill>
+                      <a:latin typeface="+mn-lt"/>
+                      <a:ea typeface="+mn-ea"/>
+                      <a:cs typeface="+mn-cs"/>
+                    </a:defRPr>
+                  </a:pPr>
+                  <a:endParaRPr/>
+                </a:p>
+              </c:txPr>
+            </c:dLbl>
+            <c:dLbl>
+              <c:idx val="4"/>
+              <c:dLblPos val="ctr"/>
+              <c:layout/>
+              <c:showBubbleSize val="0"/>
+              <c:showCatName val="0"/>
+              <c:showLegendKey val="0"/>
+              <c:showPercent val="0"/>
+              <c:showSerName val="0"/>
+              <c:showVal val="0"/>
+              <c:spPr bwMode="auto">
+                <a:prstGeom prst="rect">
+                  <a:avLst/>
+                </a:prstGeom>
+                <a:noFill/>
+                <a:ln>
+                  <a:noFill/>
+                </a:ln>
+              </c:spPr>
+              <c:txPr>
+                <a:bodyPr/>
+                <a:p>
+                  <a:pPr>
+                    <a:defRPr sz="900">
+                      <a:solidFill>
+                        <a:schemeClr val="tx1">
+                          <a:lumMod val="75000"/>
+                          <a:lumOff val="25000"/>
+                        </a:schemeClr>
+                      </a:solidFill>
+                      <a:latin typeface="+mn-lt"/>
+                      <a:ea typeface="+mn-ea"/>
+                      <a:cs typeface="+mn-cs"/>
+                    </a:defRPr>
+                  </a:pPr>
+                  <a:endParaRPr/>
+                </a:p>
+              </c:txPr>
+            </c:dLbl>
+            <c:dLbl>
+              <c:idx val="5"/>
+              <c:dLblPos val="ctr"/>
+              <c:layout/>
+              <c:showBubbleSize val="0"/>
+              <c:showCatName val="0"/>
+              <c:showLegendKey val="0"/>
+              <c:showPercent val="0"/>
+              <c:showSerName val="0"/>
+              <c:showVal val="0"/>
+              <c:spPr bwMode="auto">
+                <a:prstGeom prst="rect">
+                  <a:avLst/>
+                </a:prstGeom>
+                <a:noFill/>
+                <a:ln>
+                  <a:noFill/>
+                </a:ln>
+              </c:spPr>
+              <c:txPr>
+                <a:bodyPr/>
+                <a:p>
+                  <a:pPr>
+                    <a:defRPr sz="900">
+                      <a:solidFill>
+                        <a:schemeClr val="tx1">
+                          <a:lumMod val="75000"/>
+                          <a:lumOff val="25000"/>
+                        </a:schemeClr>
+                      </a:solidFill>
+                      <a:latin typeface="+mn-lt"/>
+                      <a:ea typeface="+mn-ea"/>
+                      <a:cs typeface="+mn-cs"/>
+                    </a:defRPr>
+                  </a:pPr>
+                  <a:endParaRPr/>
+                </a:p>
+              </c:txPr>
+            </c:dLbl>
+            <c:dLblPos val="ctr"/>
+            <c:showBubbleSize val="0"/>
+            <c:showCatName val="0"/>
+            <c:showLeaderLines val="1"/>
+            <c:showLegendKey val="0"/>
+            <c:showPercent val="0"/>
+            <c:showSerName val="0"/>
+            <c:showVal val="0"/>
+            <c:spPr bwMode="auto">
+              <a:prstGeom prst="rect">
+                <a:avLst/>
+              </a:prstGeom>
+              <a:noFill/>
+              <a:ln>
+                <a:noFill/>
+              </a:ln>
+            </c:spPr>
+            <c:txPr>
+              <a:bodyPr/>
+              <a:p>
+                <a:pPr>
+                  <a:defRPr sz="900">
+                    <a:solidFill>
+                      <a:schemeClr val="tx1">
+                        <a:lumMod val="75000"/>
+                        <a:lumOff val="25000"/>
+                      </a:schemeClr>
+                    </a:solidFill>
+                    <a:latin typeface="+mn-lt"/>
+                    <a:ea typeface="+mn-ea"/>
+                    <a:cs typeface="+mn-cs"/>
+                  </a:defRPr>
+                </a:pPr>
+                <a:endParaRPr/>
+              </a:p>
+            </c:txPr>
+          </c:dLbls>
+          <c:cat>
+            <c:strRef>
+              <c:f>Sheet1!$A$2:$A$7</c:f>
+              <c:strCache>
+                <c:ptCount val="6"/>
+                <c:pt idx="0">
+                  <c:v>Знают</c:v>
+                </c:pt>
+                <c:pt idx="1">
+                  <c:v xml:space="preserve">Затрудняются ответить</c:v>
+                </c:pt>
+                <c:pt idx="2">
+                  <c:v xml:space="preserve">Не знают</c:v>
+                </c:pt>
+              </c:strCache>
+            </c:strRef>
+          </c:cat>
+          <c:val>
+            <c:numRef>
+              <c:f>Sheet1!$C$2:$C$7</c:f>
+              <c:numCache>
+                <c:formatCode>General</c:formatCode>
+                <c:ptCount val="6"/>
+              </c:numCache>
+            </c:numRef>
+          </c:val>
+        </c:ser>
+        <c:ser>
+          <c:idx val="2"/>
+          <c:order val="2"/>
+          <c:tx>
+            <c:strRef>
+              <c:f>Sheet1!$D$1</c:f>
+              <c:strCache>
+                <c:ptCount val="1"/>
+              </c:strCache>
+            </c:strRef>
+          </c:tx>
+          <c:dPt>
+            <c:idx val="0"/>
+            <c:spPr bwMode="auto">
+              <a:prstGeom prst="rect">
+                <a:avLst/>
+              </a:prstGeom>
+              <a:solidFill>
+                <a:schemeClr val="accent1"/>
+              </a:solidFill>
+              <a:ln w="19050">
+                <a:solidFill>
+                  <a:schemeClr val="lt1"/>
+                </a:solidFill>
+              </a:ln>
+            </c:spPr>
+          </c:dPt>
+          <c:dPt>
+            <c:idx val="1"/>
+            <c:spPr bwMode="auto">
+              <a:prstGeom prst="rect">
+                <a:avLst/>
+              </a:prstGeom>
+              <a:solidFill>
+                <a:schemeClr val="accent2"/>
+              </a:solidFill>
+              <a:ln w="19050">
+                <a:solidFill>
+                  <a:schemeClr val="lt1"/>
+                </a:solidFill>
+              </a:ln>
+            </c:spPr>
+          </c:dPt>
+          <c:dPt>
+            <c:idx val="2"/>
+            <c:spPr bwMode="auto">
+              <a:prstGeom prst="rect">
+                <a:avLst/>
+              </a:prstGeom>
+              <a:solidFill>
+                <a:schemeClr val="accent3"/>
+              </a:solidFill>
+              <a:ln w="19050">
+                <a:solidFill>
+                  <a:schemeClr val="lt1"/>
+                </a:solidFill>
+              </a:ln>
+            </c:spPr>
+          </c:dPt>
+          <c:dPt>
+            <c:idx val="3"/>
+            <c:spPr bwMode="auto">
+              <a:prstGeom prst="rect">
+                <a:avLst/>
+              </a:prstGeom>
+              <a:solidFill>
+                <a:schemeClr val="accent4"/>
+              </a:solidFill>
+              <a:ln w="19050">
+                <a:solidFill>
+                  <a:schemeClr val="lt1"/>
+                </a:solidFill>
+              </a:ln>
+            </c:spPr>
+          </c:dPt>
+          <c:dPt>
+            <c:idx val="4"/>
+            <c:spPr bwMode="auto">
+              <a:prstGeom prst="rect">
+                <a:avLst/>
+              </a:prstGeom>
+              <a:solidFill>
+                <a:schemeClr val="accent5"/>
+              </a:solidFill>
+              <a:ln w="19050">
+                <a:solidFill>
+                  <a:schemeClr val="lt1"/>
+                </a:solidFill>
+              </a:ln>
+            </c:spPr>
+          </c:dPt>
+          <c:dPt>
+            <c:idx val="5"/>
+            <c:spPr bwMode="auto">
+              <a:prstGeom prst="rect">
+                <a:avLst/>
+              </a:prstGeom>
+              <a:solidFill>
+                <a:schemeClr val="accent6"/>
+              </a:solidFill>
+              <a:ln w="19050">
+                <a:solidFill>
+                  <a:schemeClr val="lt1"/>
+                </a:solidFill>
+              </a:ln>
+            </c:spPr>
+          </c:dPt>
+          <c:dLbls>
+            <c:dLbl>
+              <c:idx val="0"/>
+              <c:dLblPos val="ctr"/>
+              <c:layout/>
+              <c:showBubbleSize val="0"/>
+              <c:showCatName val="0"/>
+              <c:showLegendKey val="0"/>
+              <c:showPercent val="0"/>
+              <c:showSerName val="0"/>
+              <c:showVal val="0"/>
+              <c:spPr bwMode="auto">
+                <a:prstGeom prst="rect">
+                  <a:avLst/>
+                </a:prstGeom>
+                <a:noFill/>
+                <a:ln>
+                  <a:noFill/>
+                </a:ln>
+              </c:spPr>
+              <c:txPr>
+                <a:bodyPr/>
+                <a:p>
+                  <a:pPr>
+                    <a:defRPr sz="900">
+                      <a:solidFill>
+                        <a:schemeClr val="tx1">
+                          <a:lumMod val="75000"/>
+                          <a:lumOff val="25000"/>
+                        </a:schemeClr>
+                      </a:solidFill>
+                      <a:latin typeface="+mn-lt"/>
+                      <a:ea typeface="+mn-ea"/>
+                      <a:cs typeface="+mn-cs"/>
+                    </a:defRPr>
+                  </a:pPr>
+                  <a:endParaRPr/>
+                </a:p>
+              </c:txPr>
+            </c:dLbl>
+            <c:dLbl>
+              <c:idx val="1"/>
+              <c:dLblPos val="ctr"/>
+              <c:layout/>
+              <c:showBubbleSize val="0"/>
+              <c:showCatName val="0"/>
+              <c:showLegendKey val="0"/>
+              <c:showPercent val="0"/>
+              <c:showSerName val="0"/>
+              <c:showVal val="0"/>
+              <c:spPr bwMode="auto">
+                <a:prstGeom prst="rect">
+                  <a:avLst/>
+                </a:prstGeom>
+                <a:noFill/>
+                <a:ln>
+                  <a:noFill/>
+                </a:ln>
+              </c:spPr>
+              <c:txPr>
+                <a:bodyPr/>
+                <a:p>
+                  <a:pPr>
+                    <a:defRPr sz="900">
+                      <a:solidFill>
+                        <a:schemeClr val="tx1">
+                          <a:lumMod val="75000"/>
+                          <a:lumOff val="25000"/>
+                        </a:schemeClr>
+                      </a:solidFill>
+                      <a:latin typeface="+mn-lt"/>
+                      <a:ea typeface="+mn-ea"/>
+                      <a:cs typeface="+mn-cs"/>
+                    </a:defRPr>
+                  </a:pPr>
+                  <a:endParaRPr/>
+                </a:p>
+              </c:txPr>
+            </c:dLbl>
+            <c:dLbl>
+              <c:idx val="2"/>
+              <c:dLblPos val="ctr"/>
+              <c:layout/>
+              <c:showBubbleSize val="0"/>
+              <c:showCatName val="0"/>
+              <c:showLegendKey val="0"/>
+              <c:showPercent val="0"/>
+              <c:showSerName val="0"/>
+              <c:showVal val="0"/>
+              <c:spPr bwMode="auto">
+                <a:prstGeom prst="rect">
+                  <a:avLst/>
+                </a:prstGeom>
+                <a:noFill/>
+                <a:ln>
+                  <a:noFill/>
+                </a:ln>
+              </c:spPr>
+              <c:txPr>
+                <a:bodyPr/>
+                <a:p>
+                  <a:pPr>
+                    <a:defRPr sz="900">
+                      <a:solidFill>
+                        <a:schemeClr val="tx1">
+                          <a:lumMod val="75000"/>
+                          <a:lumOff val="25000"/>
+                        </a:schemeClr>
+                      </a:solidFill>
+                      <a:latin typeface="+mn-lt"/>
+                      <a:ea typeface="+mn-ea"/>
+                      <a:cs typeface="+mn-cs"/>
+                    </a:defRPr>
+                  </a:pPr>
+                  <a:endParaRPr/>
+                </a:p>
+              </c:txPr>
+            </c:dLbl>
+            <c:dLbl>
+              <c:idx val="3"/>
+              <c:dLblPos val="ctr"/>
+              <c:layout/>
+              <c:showBubbleSize val="0"/>
+              <c:showCatName val="0"/>
+              <c:showLegendKey val="0"/>
+              <c:showPercent val="0"/>
+              <c:showSerName val="0"/>
+              <c:showVal val="0"/>
+              <c:spPr bwMode="auto">
+                <a:prstGeom prst="rect">
+                  <a:avLst/>
+                </a:prstGeom>
+                <a:noFill/>
+                <a:ln>
+                  <a:noFill/>
+                </a:ln>
+              </c:spPr>
+              <c:txPr>
+                <a:bodyPr/>
+                <a:p>
+                  <a:pPr>
+                    <a:defRPr sz="900">
+                      <a:solidFill>
+                        <a:schemeClr val="tx1">
+                          <a:lumMod val="75000"/>
+                          <a:lumOff val="25000"/>
+                        </a:schemeClr>
+                      </a:solidFill>
+                      <a:latin typeface="+mn-lt"/>
+                      <a:ea typeface="+mn-ea"/>
+                      <a:cs typeface="+mn-cs"/>
+                    </a:defRPr>
+                  </a:pPr>
+                  <a:endParaRPr/>
+                </a:p>
+              </c:txPr>
+            </c:dLbl>
+            <c:dLbl>
+              <c:idx val="4"/>
+              <c:dLblPos val="ctr"/>
+              <c:layout/>
+              <c:showBubbleSize val="0"/>
+              <c:showCatName val="0"/>
+              <c:showLegendKey val="0"/>
+              <c:showPercent val="0"/>
+              <c:showSerName val="0"/>
+              <c:showVal val="0"/>
+              <c:spPr bwMode="auto">
+                <a:prstGeom prst="rect">
+                  <a:avLst/>
+                </a:prstGeom>
+                <a:noFill/>
+                <a:ln>
+                  <a:noFill/>
+                </a:ln>
+              </c:spPr>
+              <c:txPr>
+                <a:bodyPr/>
+                <a:p>
+                  <a:pPr>
+                    <a:defRPr sz="900">
+                      <a:solidFill>
+                        <a:schemeClr val="tx1">
+                          <a:lumMod val="75000"/>
+                          <a:lumOff val="25000"/>
+                        </a:schemeClr>
+                      </a:solidFill>
+                      <a:latin typeface="+mn-lt"/>
+                      <a:ea typeface="+mn-ea"/>
+                      <a:cs typeface="+mn-cs"/>
+                    </a:defRPr>
+                  </a:pPr>
+                  <a:endParaRPr/>
+                </a:p>
+              </c:txPr>
+            </c:dLbl>
+            <c:dLbl>
+              <c:idx val="5"/>
+              <c:dLblPos val="ctr"/>
+              <c:layout/>
+              <c:showBubbleSize val="0"/>
+              <c:showCatName val="0"/>
+              <c:showLegendKey val="0"/>
+              <c:showPercent val="0"/>
+              <c:showSerName val="0"/>
+              <c:showVal val="0"/>
+              <c:spPr bwMode="auto">
+                <a:prstGeom prst="rect">
+                  <a:avLst/>
+                </a:prstGeom>
+                <a:noFill/>
+                <a:ln>
+                  <a:noFill/>
+                </a:ln>
+              </c:spPr>
+              <c:txPr>
+                <a:bodyPr/>
+                <a:p>
+                  <a:pPr>
+                    <a:defRPr sz="900">
+                      <a:solidFill>
+                        <a:schemeClr val="tx1">
+                          <a:lumMod val="75000"/>
+                          <a:lumOff val="25000"/>
+                        </a:schemeClr>
+                      </a:solidFill>
+                      <a:latin typeface="+mn-lt"/>
+                      <a:ea typeface="+mn-ea"/>
+                      <a:cs typeface="+mn-cs"/>
+                    </a:defRPr>
+                  </a:pPr>
+                  <a:endParaRPr/>
+                </a:p>
+              </c:txPr>
+            </c:dLbl>
+            <c:dLblPos val="ctr"/>
+            <c:showBubbleSize val="0"/>
+            <c:showCatName val="0"/>
+            <c:showLeaderLines val="1"/>
+            <c:showLegendKey val="0"/>
+            <c:showPercent val="0"/>
+            <c:showSerName val="0"/>
+            <c:showVal val="0"/>
+            <c:spPr bwMode="auto">
+              <a:prstGeom prst="rect">
+                <a:avLst/>
+              </a:prstGeom>
+              <a:noFill/>
+              <a:ln>
+                <a:noFill/>
+              </a:ln>
+            </c:spPr>
+            <c:txPr>
+              <a:bodyPr/>
+              <a:p>
+                <a:pPr>
+                  <a:defRPr sz="900">
+                    <a:solidFill>
+                      <a:schemeClr val="tx1">
+                        <a:lumMod val="75000"/>
+                        <a:lumOff val="25000"/>
+                      </a:schemeClr>
+                    </a:solidFill>
+                    <a:latin typeface="+mn-lt"/>
+                    <a:ea typeface="+mn-ea"/>
+                    <a:cs typeface="+mn-cs"/>
+                  </a:defRPr>
+                </a:pPr>
+                <a:endParaRPr/>
+              </a:p>
+            </c:txPr>
+          </c:dLbls>
+          <c:cat>
+            <c:strRef>
+              <c:f>Sheet1!$A$2:$A$7</c:f>
+              <c:strCache>
+                <c:ptCount val="6"/>
+                <c:pt idx="0">
+                  <c:v>Знают</c:v>
+                </c:pt>
+                <c:pt idx="1">
+                  <c:v xml:space="preserve">Затрудняются ответить</c:v>
+                </c:pt>
+                <c:pt idx="2">
+                  <c:v xml:space="preserve">Не знают</c:v>
+                </c:pt>
+              </c:strCache>
+            </c:strRef>
+          </c:cat>
+          <c:val>
+            <c:numRef>
+              <c:f>Sheet1!$D$2:$D$7</c:f>
+              <c:numCache>
+                <c:formatCode>General</c:formatCode>
+                <c:ptCount val="6"/>
+              </c:numCache>
+            </c:numRef>
+          </c:val>
+        </c:ser>
+        <c:dLbls>
+          <c:dLblPos val="ctr"/>
+          <c:showBubbleSize val="0"/>
+          <c:showCatName val="0"/>
+          <c:showLeaderLines val="1"/>
+          <c:showLegendKey val="0"/>
+          <c:showPercent val="0"/>
+          <c:showSerName val="0"/>
+          <c:showVal val="0"/>
+          <c:spPr bwMode="auto">
+            <a:prstGeom prst="rect">
+              <a:avLst/>
+            </a:prstGeom>
+            <a:noFill/>
+            <a:ln>
+              <a:noFill/>
+            </a:ln>
+          </c:spPr>
+          <c:txPr>
+            <a:bodyPr/>
+            <a:p>
+              <a:pPr>
+                <a:defRPr sz="900">
+                  <a:solidFill>
+                    <a:schemeClr val="tx1">
+                      <a:lumMod val="75000"/>
+                      <a:lumOff val="25000"/>
+                    </a:schemeClr>
+                  </a:solidFill>
+                  <a:latin typeface="+mn-lt"/>
+                  <a:ea typeface="+mn-ea"/>
+                  <a:cs typeface="+mn-cs"/>
+                </a:defRPr>
+              </a:pPr>
+              <a:endParaRPr/>
+            </a:p>
+          </c:txPr>
+        </c:dLbls>
+        <c:firstSliceAng val="0"/>
+      </c:pieChart>
+      <c:spPr bwMode="auto">
+        <a:prstGeom prst="rect">
+          <a:avLst/>
+        </a:prstGeom>
+        <a:noFill/>
+        <a:ln>
+          <a:noFill/>
+        </a:ln>
+      </c:spPr>
+    </c:plotArea>
+    <c:legend>
+      <c:legendPos val="b"/>
+      <c:legendEntry>
+        <c:idx val="5"/>
+        <c:delete val="1"/>
+      </c:legendEntry>
+      <c:legendEntry>
+        <c:idx val="3"/>
+        <c:delete val="1"/>
+      </c:legendEntry>
+      <c:legendEntry>
+        <c:idx val="4"/>
+        <c:delete val="1"/>
+      </c:legendEntry>
+      <c:layout/>
+      <c:overlay val="0"/>
+      <c:spPr bwMode="auto">
+        <a:prstGeom prst="rect">
+          <a:avLst/>
+        </a:prstGeom>
+        <a:noFill/>
+        <a:ln>
+          <a:noFill/>
+        </a:ln>
+        <a:effectLst/>
+      </c:spPr>
+      <c:txPr>
+        <a:bodyPr rot="0" spcFirstLastPara="1" vertOverflow="ellipsis" vert="horz" wrap="square" anchor="ctr" anchorCtr="1"/>
+        <a:lstStyle/>
+        <a:p>
+          <a:pPr>
+            <a:defRPr sz="900">
+              <a:solidFill>
+                <a:schemeClr val="tx1">
+                  <a:lumMod val="65000"/>
+                  <a:lumOff val="35000"/>
+                </a:schemeClr>
+              </a:solidFill>
+              <a:latin typeface="+mn-lt"/>
+              <a:ea typeface="+mn-ea"/>
+              <a:cs typeface="+mn-cs"/>
+            </a:defRPr>
+          </a:pPr>
+          <a:endParaRPr lang="en-US"/>
+        </a:p>
+      </c:txPr>
+    </c:legend>
+    <c:plotVisOnly val="1"/>
+    <c:dispBlanksAs val="gap"/>
+    <c:showDLblsOverMax val="0"/>
+  </c:chart>
+  <c:spPr bwMode="auto">
+    <a:xfrm>
+      <a:off x="7068524" y="1827000"/>
+      <a:ext cx="4763849" cy="3203997"/>
+    </a:xfrm>
+    <a:prstGeom prst="rect">
+      <a:avLst/>
+    </a:prstGeom>
+    <a:solidFill>
+      <a:schemeClr val="bg1"/>
+    </a:solidFill>
+    <a:ln w="9525" cap="flat" cmpd="sng" algn="ctr">
+      <a:solidFill>
+        <a:schemeClr val="tx1">
+          <a:lumMod val="15000"/>
+          <a:lumOff val="85000"/>
+        </a:schemeClr>
+      </a:solidFill>
+      <a:round/>
+    </a:ln>
+  </c:spPr>
+  <c:txPr>
+    <a:bodyPr/>
+    <a:p>
+      <a:pPr>
+        <a:defRPr sz="900">
+          <a:solidFill>
+            <a:schemeClr val="tx1"/>
+          </a:solidFill>
+          <a:latin typeface="+mn-lt"/>
+          <a:ea typeface="+mn-ea"/>
+          <a:cs typeface="+mn-cs"/>
+        </a:defRPr>
+      </a:pPr>
+      <a:endParaRPr/>
+    </a:p>
+  </c:txPr>
+  <c:externalData r:id="rId3">
+    <c:autoUpdate val="0"/>
+  </c:externalData>
+  <c:printSettings>
+    <c:headerFooter/>
+    <c:pageMargins l="0.69999999999999996" r="0.69999999999999996" t="0.75" b="0.75" header="0.29999999999999999" footer="0.29999999999999999"/>
+    <c:pageSetup/>
+  </c:printSettings>
+</c:chartSpace>
+</file>
+
+<file path=ppt/charts/colors1.xml><?xml version="1.0" encoding="utf-8"?>
+<cs:colorStyle xmlns:cs="http://schemas.microsoft.com/office/drawing/2012/chartStyle" xmlns:a="http://schemas.openxmlformats.org/drawingml/2006/main" meth="cycle" id="10">
+  <a:schemeClr val="accent1"/>
+  <a:schemeClr val="accent2"/>
+  <a:schemeClr val="accent3"/>
+  <a:schemeClr val="accent4"/>
+  <a:schemeClr val="accent5"/>
+  <a:schemeClr val="accent6"/>
+  <cs:variation/>
+  <cs:variation>
+    <a:lumMod val="60000"/>
+  </cs:variation>
+  <cs:variation>
+    <a:lumMod val="80000"/>
+    <a:lumOff val="20000"/>
+  </cs:variation>
+  <cs:variation>
+    <a:lumMod val="80000"/>
+  </cs:variation>
+  <cs:variation>
+    <a:lumMod val="60000"/>
+    <a:lumOff val="40000"/>
+  </cs:variation>
+  <cs:variation>
+    <a:lumMod val="50000"/>
+  </cs:variation>
+  <cs:variation>
+    <a:lumMod val="70000"/>
+    <a:lumOff val="30000"/>
+  </cs:variation>
+  <cs:variation>
+    <a:lumMod val="70000"/>
+  </cs:variation>
+  <cs:variation>
+    <a:lumMod val="50000"/>
+    <a:lumOff val="50000"/>
+  </cs:variation>
+</cs:colorStyle>
+</file>
+
+<file path=ppt/charts/style1.xml><?xml version="1.0" encoding="utf-8"?>
+<cs:chartStyle xmlns:cs="http://schemas.microsoft.com/office/drawing/2012/chartStyle" xmlns:a="http://schemas.openxmlformats.org/drawingml/2006/main" id="251">
+  <cs:axisTitle>
+    <cs:lnRef idx="0"/>
+    <cs:fillRef idx="0"/>
+    <cs:effectRef idx="0"/>
+    <cs:fontRef idx="minor">
+      <a:schemeClr val="tx1">
+        <a:lumMod val="65000"/>
+        <a:lumOff val="35000"/>
+      </a:schemeClr>
+    </cs:fontRef>
+    <cs:defRPr sz="1000"/>
+  </cs:axisTitle>
+  <cs:categoryAxis>
+    <cs:lnRef idx="0"/>
+    <cs:fillRef idx="0"/>
+    <cs:effectRef idx="0"/>
+    <cs:fontRef idx="minor">
+      <a:schemeClr val="tx1">
+        <a:lumMod val="65000"/>
+        <a:lumOff val="35000"/>
+      </a:schemeClr>
+    </cs:fontRef>
+    <cs:spPr bwMode="auto">
+      <a:prstGeom prst="rect">
+        <a:avLst/>
+      </a:prstGeom>
+      <a:ln w="9525" cap="flat" cmpd="sng" algn="ctr">
+        <a:solidFill>
+          <a:schemeClr val="tx1">
+            <a:lumMod val="15000"/>
+            <a:lumOff val="85000"/>
+          </a:schemeClr>
+        </a:solidFill>
+        <a:round/>
+      </a:ln>
+    </cs:spPr>
+    <cs:defRPr sz="900"/>
+  </cs:categoryAxis>
+  <cs:chartArea>
+    <cs:lnRef idx="0"/>
+    <cs:fillRef idx="0"/>
+    <cs:effectRef idx="0"/>
+    <cs:fontRef idx="minor">
+      <a:schemeClr val="tx1"/>
+    </cs:fontRef>
+    <cs:spPr bwMode="auto">
+      <a:prstGeom prst="rect">
+        <a:avLst/>
+      </a:prstGeom>
+      <a:solidFill>
+        <a:schemeClr val="bg1"/>
+      </a:solidFill>
+      <a:ln w="9525" cap="flat" cmpd="sng" algn="ctr">
+        <a:solidFill>
+          <a:schemeClr val="tx1">
+            <a:lumMod val="15000"/>
+            <a:lumOff val="85000"/>
+          </a:schemeClr>
+        </a:solidFill>
+        <a:round/>
+      </a:ln>
+    </cs:spPr>
+    <cs:defRPr sz="900"/>
+  </cs:chartArea>
+  <cs:dataLabel>
+    <cs:lnRef idx="0"/>
+    <cs:fillRef idx="0"/>
+    <cs:effectRef idx="0"/>
+    <cs:fontRef idx="minor">
+      <a:schemeClr val="tx1">
+        <a:lumMod val="75000"/>
+        <a:lumOff val="25000"/>
+      </a:schemeClr>
+    </cs:fontRef>
+    <cs:defRPr sz="900"/>
+  </cs:dataLabel>
+  <cs:dataPoint>
+    <cs:lnRef idx="0"/>
+    <cs:fillRef idx="1">
+      <cs:styleClr val="auto"/>
+    </cs:fillRef>
+    <cs:effectRef idx="0"/>
+    <cs:fontRef idx="minor">
+      <a:schemeClr val="tx1"/>
+    </cs:fontRef>
+    <cs:spPr bwMode="auto">
+      <a:prstGeom prst="rect">
+        <a:avLst/>
+      </a:prstGeom>
+      <a:ln w="19050">
+        <a:solidFill>
+          <a:schemeClr val="lt1"/>
+        </a:solidFill>
+        <a:bevel/>
+      </a:ln>
+    </cs:spPr>
+  </cs:dataPoint>
+  <cs:dataPoint3D>
+    <cs:lnRef idx="0"/>
+    <cs:fillRef idx="1">
+      <cs:styleClr val="auto"/>
+    </cs:fillRef>
+    <cs:effectRef idx="0"/>
+    <cs:fontRef idx="minor">
+      <a:schemeClr val="tx1"/>
+    </cs:fontRef>
+    <cs:spPr bwMode="auto">
+      <a:prstGeom prst="rect">
+        <a:avLst/>
+      </a:prstGeom>
+      <a:ln w="25400">
+        <a:solidFill>
+          <a:schemeClr val="lt1"/>
+        </a:solidFill>
+      </a:ln>
+    </cs:spPr>
+  </cs:dataPoint3D>
+  <cs:dataPointLine>
+    <cs:lnRef idx="0">
+      <cs:styleClr val="auto"/>
+    </cs:lnRef>
+    <cs:fillRef idx="0"/>
+    <cs:effectRef idx="0"/>
+    <cs:fontRef idx="minor">
+      <a:schemeClr val="tx1"/>
+    </cs:fontRef>
+    <cs:spPr bwMode="auto">
+      <a:prstGeom prst="rect">
+        <a:avLst/>
+      </a:prstGeom>
+      <a:ln w="28575" cap="rnd">
+        <a:solidFill>
+          <a:schemeClr val="phClr"/>
+        </a:solidFill>
+        <a:round/>
+      </a:ln>
+    </cs:spPr>
+  </cs:dataPointLine>
+  <cs:dataPointMarker>
+    <cs:lnRef idx="0">
+      <cs:styleClr val="auto"/>
+    </cs:lnRef>
+    <cs:fillRef idx="1">
+      <cs:styleClr val="auto"/>
+    </cs:fillRef>
+    <cs:effectRef idx="0"/>
+    <cs:fontRef idx="minor">
+      <a:schemeClr val="tx1"/>
+    </cs:fontRef>
+    <cs:spPr bwMode="auto">
+      <a:prstGeom prst="rect">
+        <a:avLst/>
+      </a:prstGeom>
+      <a:ln w="9525">
+        <a:solidFill>
+          <a:schemeClr val="phClr"/>
+        </a:solidFill>
+      </a:ln>
+    </cs:spPr>
+  </cs:dataPointMarker>
+  <cs:dataPointWireframe>
+    <cs:lnRef idx="0">
+      <cs:styleClr val="auto"/>
+    </cs:lnRef>
+    <cs:fillRef idx="0"/>
+    <cs:effectRef idx="0"/>
+    <cs:fontRef idx="minor">
+      <a:schemeClr val="tx1"/>
+    </cs:fontRef>
+    <cs:spPr bwMode="auto">
+      <a:prstGeom prst="rect">
+        <a:avLst/>
+      </a:prstGeom>
+      <a:ln w="9525" cap="rnd">
+        <a:solidFill>
+          <a:schemeClr val="phClr"/>
+        </a:solidFill>
+        <a:round/>
+      </a:ln>
+    </cs:spPr>
+  </cs:dataPointWireframe>
+  <cs:dataTable>
+    <cs:lnRef idx="0"/>
+    <cs:fillRef idx="0"/>
+    <cs:effectRef idx="0"/>
+    <cs:fontRef idx="minor">
+      <a:schemeClr val="tx1">
+        <a:lumMod val="65000"/>
+        <a:lumOff val="35000"/>
+      </a:schemeClr>
+    </cs:fontRef>
+    <cs:spPr bwMode="auto">
+      <a:prstGeom prst="rect">
+        <a:avLst/>
+      </a:prstGeom>
+      <a:noFill/>
+      <a:ln w="9525" cap="flat" cmpd="sng" algn="ctr">
+        <a:solidFill>
+          <a:schemeClr val="tx1">
+            <a:lumMod val="15000"/>
+            <a:lumOff val="85000"/>
+          </a:schemeClr>
+        </a:solidFill>
+        <a:round/>
+      </a:ln>
+    </cs:spPr>
+    <cs:defRPr sz="900"/>
+  </cs:dataTable>
+  <cs:downBar>
+    <cs:lnRef idx="0"/>
+    <cs:fillRef idx="0"/>
+    <cs:effectRef idx="0"/>
+    <cs:fontRef idx="minor">
+      <a:schemeClr val="tx1"/>
+    </cs:fontRef>
+    <cs:spPr bwMode="auto">
+      <a:prstGeom prst="rect">
+        <a:avLst/>
+      </a:prstGeom>
+      <a:solidFill>
+        <a:schemeClr val="dk1">
+          <a:lumMod val="75000"/>
+          <a:lumOff val="25000"/>
+        </a:schemeClr>
+      </a:solidFill>
+      <a:ln w="9525" cap="flat" cmpd="sng" algn="ctr">
+        <a:solidFill>
+          <a:schemeClr val="tx1">
+            <a:lumMod val="65000"/>
+            <a:lumOff val="35000"/>
+          </a:schemeClr>
+        </a:solidFill>
+        <a:round/>
+      </a:ln>
+    </cs:spPr>
+  </cs:downBar>
+  <cs:dropLine>
+    <cs:lnRef idx="0"/>
+    <cs:fillRef idx="0"/>
+    <cs:effectRef idx="0"/>
+    <cs:fontRef idx="minor">
+      <a:schemeClr val="tx1"/>
+    </cs:fontRef>
+    <cs:spPr bwMode="auto">
+      <a:prstGeom prst="rect">
+        <a:avLst/>
+      </a:prstGeom>
+      <a:ln w="9525" cap="flat" cmpd="sng" algn="ctr">
+        <a:solidFill>
+          <a:schemeClr val="tx1">
+            <a:lumMod val="35000"/>
+            <a:lumOff val="65000"/>
+          </a:schemeClr>
+        </a:solidFill>
+        <a:round/>
+      </a:ln>
+    </cs:spPr>
+  </cs:dropLine>
+  <cs:errorBar>
+    <cs:lnRef idx="0"/>
+    <cs:fillRef idx="0"/>
+    <cs:effectRef idx="0"/>
+    <cs:fontRef idx="minor">
+      <a:schemeClr val="tx1"/>
+    </cs:fontRef>
+    <cs:spPr bwMode="auto">
+      <a:prstGeom prst="rect">
+        <a:avLst/>
+      </a:prstGeom>
+      <a:ln w="9525" cap="flat" cmpd="sng" algn="ctr">
+        <a:solidFill>
+          <a:schemeClr val="tx1">
+            <a:lumMod val="65000"/>
+            <a:lumOff val="35000"/>
+          </a:schemeClr>
+        </a:solidFill>
+        <a:round/>
+      </a:ln>
+    </cs:spPr>
+  </cs:errorBar>
+  <cs:floor>
+    <cs:lnRef idx="0"/>
+    <cs:fillRef idx="0"/>
+    <cs:effectRef idx="0"/>
+    <cs:fontRef idx="minor">
+      <a:schemeClr val="tx1"/>
+    </cs:fontRef>
+    <cs:spPr bwMode="auto">
+      <a:prstGeom prst="rect">
+        <a:avLst/>
+      </a:prstGeom>
+      <a:noFill/>
+      <a:ln>
+        <a:noFill/>
+        <a:bevel/>
+      </a:ln>
+    </cs:spPr>
+  </cs:floor>
+  <cs:gridlineMajor>
+    <cs:lnRef idx="0"/>
+    <cs:fillRef idx="0"/>
+    <cs:effectRef idx="0"/>
+    <cs:fontRef idx="minor">
+      <a:schemeClr val="tx1"/>
+    </cs:fontRef>
+    <cs:spPr bwMode="auto">
+      <a:prstGeom prst="rect">
+        <a:avLst/>
+      </a:prstGeom>
+      <a:ln w="9525" cap="flat" cmpd="sng" algn="ctr">
+        <a:solidFill>
+          <a:schemeClr val="tx1">
+            <a:lumMod val="15000"/>
+            <a:lumOff val="85000"/>
+          </a:schemeClr>
+        </a:solidFill>
+        <a:round/>
+      </a:ln>
+    </cs:spPr>
+  </cs:gridlineMajor>
+  <cs:gridlineMinor>
+    <cs:lnRef idx="0"/>
+    <cs:fillRef idx="0"/>
+    <cs:effectRef idx="0"/>
+    <cs:fontRef idx="minor">
+      <a:schemeClr val="tx1"/>
+    </cs:fontRef>
+    <cs:spPr bwMode="auto">
+      <a:prstGeom prst="rect">
+        <a:avLst/>
+      </a:prstGeom>
+      <a:ln w="9525" cap="flat" cmpd="sng" algn="ctr">
+        <a:solidFill>
+          <a:schemeClr val="tx1">
+            <a:lumMod val="5000"/>
+            <a:lumOff val="95000"/>
+          </a:schemeClr>
+        </a:solidFill>
+        <a:round/>
+      </a:ln>
+    </cs:spPr>
+  </cs:gridlineMinor>
+  <cs:hiLoLine>
+    <cs:lnRef idx="0"/>
+    <cs:fillRef idx="0"/>
+    <cs:effectRef idx="0"/>
+    <cs:fontRef idx="minor">
+      <a:schemeClr val="tx1"/>
+    </cs:fontRef>
+    <cs:spPr bwMode="auto">
+      <a:prstGeom prst="rect">
+        <a:avLst/>
+      </a:prstGeom>
+      <a:ln w="9525" cap="flat" cmpd="sng" algn="ctr">
+        <a:solidFill>
+          <a:schemeClr val="tx1">
+            <a:lumMod val="50000"/>
+            <a:lumOff val="50000"/>
+          </a:schemeClr>
+        </a:solidFill>
+        <a:round/>
+      </a:ln>
+    </cs:spPr>
+  </cs:hiLoLine>
+  <cs:leaderLine>
+    <cs:lnRef idx="0"/>
+    <cs:fillRef idx="0"/>
+    <cs:effectRef idx="0"/>
+    <cs:fontRef idx="minor">
+      <a:schemeClr val="tx1"/>
+    </cs:fontRef>
+    <cs:spPr bwMode="auto">
+      <a:prstGeom prst="rect">
+        <a:avLst/>
+      </a:prstGeom>
+      <a:ln w="9525" cap="flat" cmpd="sng" algn="ctr">
+        <a:solidFill>
+          <a:schemeClr val="tx1">
+            <a:lumMod val="35000"/>
+            <a:lumOff val="65000"/>
+          </a:schemeClr>
+        </a:solidFill>
+        <a:round/>
+      </a:ln>
+    </cs:spPr>
+  </cs:leaderLine>
+  <cs:legend>
+    <cs:lnRef idx="0"/>
+    <cs:fillRef idx="0"/>
+    <cs:effectRef idx="0"/>
+    <cs:fontRef idx="minor">
+      <a:schemeClr val="tx1">
+        <a:lumMod val="65000"/>
+        <a:lumOff val="35000"/>
+      </a:schemeClr>
+    </cs:fontRef>
+    <cs:defRPr sz="900"/>
+  </cs:legend>
+  <cs:plotArea>
+    <cs:lnRef idx="0"/>
+    <cs:fillRef idx="0"/>
+    <cs:effectRef idx="0"/>
+    <cs:fontRef idx="minor">
+      <a:schemeClr val="tx1"/>
+    </cs:fontRef>
+  </cs:plotArea>
+  <cs:plotArea3D>
+    <cs:lnRef idx="0"/>
+    <cs:fillRef idx="0"/>
+    <cs:effectRef idx="0"/>
+    <cs:fontRef idx="minor">
+      <a:schemeClr val="tx1"/>
+    </cs:fontRef>
+  </cs:plotArea3D>
+  <cs:seriesAxis>
+    <cs:lnRef idx="0"/>
+    <cs:fillRef idx="0"/>
+    <cs:effectRef idx="0"/>
+    <cs:fontRef idx="minor">
+      <a:schemeClr val="tx1">
+        <a:lumMod val="65000"/>
+        <a:lumOff val="35000"/>
+      </a:schemeClr>
+    </cs:fontRef>
+    <cs:defRPr sz="900"/>
+  </cs:seriesAxis>
+  <cs:seriesLine>
+    <cs:lnRef idx="0"/>
+    <cs:fillRef idx="0"/>
+    <cs:effectRef idx="0"/>
+    <cs:fontRef idx="minor">
+      <a:schemeClr val="tx1"/>
+    </cs:fontRef>
+    <cs:spPr bwMode="auto">
+      <a:prstGeom prst="rect">
+        <a:avLst/>
+      </a:prstGeom>
+      <a:ln w="9525" cap="flat" cmpd="sng" algn="ctr">
+        <a:solidFill>
+          <a:schemeClr val="tx1">
+            <a:lumMod val="35000"/>
+            <a:lumOff val="65000"/>
+          </a:schemeClr>
+        </a:solidFill>
+        <a:round/>
+      </a:ln>
+    </cs:spPr>
+  </cs:seriesLine>
+  <cs:title>
+    <cs:lnRef idx="0"/>
+    <cs:fillRef idx="0"/>
+    <cs:effectRef idx="0"/>
+    <cs:fontRef idx="minor">
+      <a:schemeClr val="tx1">
+        <a:lumMod val="65000"/>
+        <a:lumOff val="35000"/>
+      </a:schemeClr>
+    </cs:fontRef>
+    <cs:defRPr sz="1400" b="0" spc="0"/>
+  </cs:title>
+  <cs:trendline>
+    <cs:lnRef idx="0">
+      <cs:styleClr val="auto"/>
+    </cs:lnRef>
+    <cs:fillRef idx="0"/>
+    <cs:effectRef idx="0"/>
+    <cs:fontRef idx="minor">
+      <a:schemeClr val="tx1"/>
+    </cs:fontRef>
+    <cs:spPr bwMode="auto">
+      <a:prstGeom prst="rect">
+        <a:avLst/>
+      </a:prstGeom>
+      <a:ln w="19050" cap="rnd">
+        <a:solidFill>
+          <a:schemeClr val="phClr"/>
+        </a:solidFill>
+        <a:prstDash val="sysDot"/>
+      </a:ln>
+    </cs:spPr>
+  </cs:trendline>
+  <cs:trendlineLabel>
+    <cs:lnRef idx="0"/>
+    <cs:fillRef idx="0"/>
+    <cs:effectRef idx="0"/>
+    <cs:fontRef idx="minor">
+      <a:schemeClr val="tx1">
+        <a:lumMod val="65000"/>
+        <a:lumOff val="35000"/>
+      </a:schemeClr>
+    </cs:fontRef>
+    <cs:defRPr sz="900"/>
+  </cs:trendlineLabel>
+  <cs:upBar>
+    <cs:lnRef idx="0"/>
+    <cs:fillRef idx="0"/>
+    <cs:effectRef idx="0"/>
+    <cs:fontRef idx="minor">
+      <a:schemeClr val="tx1"/>
+    </cs:fontRef>
+    <cs:spPr bwMode="auto">
+      <a:prstGeom prst="rect">
+        <a:avLst/>
+      </a:prstGeom>
+      <a:solidFill>
+        <a:schemeClr val="lt1"/>
+      </a:solidFill>
+      <a:ln w="9525" cap="flat" cmpd="sng" algn="ctr">
+        <a:solidFill>
+          <a:schemeClr val="tx1">
+            <a:lumMod val="65000"/>
+            <a:lumOff val="35000"/>
+          </a:schemeClr>
+        </a:solidFill>
+        <a:round/>
+      </a:ln>
+    </cs:spPr>
+  </cs:upBar>
+  <cs:valueAxis>
+    <cs:lnRef idx="0"/>
+    <cs:fillRef idx="0"/>
+    <cs:effectRef idx="0"/>
+    <cs:fontRef idx="minor">
+      <a:schemeClr val="tx1">
+        <a:lumMod val="65000"/>
+        <a:lumOff val="35000"/>
+      </a:schemeClr>
+    </cs:fontRef>
+    <cs:defRPr sz="900"/>
+  </cs:valueAxis>
+  <cs:wall>
+    <cs:lnRef idx="0"/>
+    <cs:fillRef idx="0"/>
+    <cs:effectRef idx="0"/>
+    <cs:fontRef idx="minor">
+      <a:schemeClr val="tx1"/>
+    </cs:fontRef>
+    <cs:spPr bwMode="auto">
+      <a:prstGeom prst="rect">
+        <a:avLst/>
+      </a:prstGeom>
+      <a:noFill/>
+      <a:ln>
+        <a:noFill/>
+      </a:ln>
+    </cs:spPr>
+  </cs:wall>
+  <cs:dataPointMarkerLayout symbol="circle" size="5"/>
+</cs:chartStyle>
 </file>
 
 <file path=ppt/slideLayouts/slideLayout1.xml><?xml version="1.0" encoding="utf-8"?>
@@ -47,17 +2096,13 @@
         </p:nvSpPr>
         <p:spPr bwMode="auto">
           <a:xfrm>
-            <a:off x="914400" y="2130425"/>
+            <a:off x="914400" y="2130427"/>
             <a:ext cx="10363199" cy="1470025"/>
           </a:xfrm>
         </p:spPr>
         <p:txBody>
           <a:bodyPr/>
-          <a:lstStyle>
-            <a:lvl1pPr algn="ctr">
-              <a:defRPr b="1"/>
-            </a:lvl1pPr>
-          </a:lstStyle>
+          <a:lstStyle/>
           <a:p>
             <a:pPr>
               <a:defRPr/>
@@ -94,7 +2139,8 @@
               <a:defRPr>
                 <a:solidFill>
                   <a:schemeClr val="tx1">
-                    <a:tint val="75000"/>
+                    <a:lumMod val="85000"/>
+                    <a:lumOff val="15000"/>
                   </a:schemeClr>
                 </a:solidFill>
               </a:defRPr>
@@ -210,7 +2256,7 @@
             <a:pPr>
               <a:defRPr/>
             </a:pPr>
-            <a:fld id="{86EB4D43-F783-4E09-8208-6AA351DBC29B}" type="datetimeFigureOut">
+            <a:fld id="{D328A2AD-CA6C-4CEE-80DD-5B3591997DB0}" type="datetimeFigureOut">
               <a:rPr/>
               <a:t/>
             </a:fld>
@@ -258,7 +2304,7 @@
             <a:pPr>
               <a:defRPr/>
             </a:pPr>
-            <a:fld id="{F8E3F0E9-0FC2-4DDE-87CF-3BA6A04EA4CC}" type="slidenum">
+            <a:fld id="{9F5014F7-E485-415F-A69C-6237A648DEF6}" type="slidenum">
               <a:rPr/>
               <a:t/>
             </a:fld>
@@ -401,7 +2447,7 @@
             <a:pPr>
               <a:defRPr/>
             </a:pPr>
-            <a:fld id="{86EB4D43-F783-4E09-8208-6AA351DBC29B}" type="datetimeFigureOut">
+            <a:fld id="{D328A2AD-CA6C-4CEE-80DD-5B3591997DB0}" type="datetimeFigureOut">
               <a:rPr/>
               <a:t/>
             </a:fld>
@@ -449,7 +2495,7 @@
             <a:pPr>
               <a:defRPr/>
             </a:pPr>
-            <a:fld id="{F8E3F0E9-0FC2-4DDE-87CF-3BA6A04EA4CC}" type="slidenum">
+            <a:fld id="{9F5014F7-E485-415F-A69C-6237A648DEF6}" type="slidenum">
               <a:rPr/>
               <a:t/>
             </a:fld>
@@ -494,14 +2540,14 @@
         </p:nvSpPr>
         <p:spPr bwMode="auto">
           <a:xfrm>
-            <a:off x="8839199" y="274638"/>
+            <a:off x="8839199" y="274639"/>
             <a:ext cx="2743200" cy="5851525"/>
           </a:xfrm>
         </p:spPr>
         <p:txBody>
           <a:bodyPr vert="eaVert"/>
           <a:lstStyle>
-            <a:lvl1pPr algn="ctr">
+            <a:lvl1pPr algn="l">
               <a:defRPr/>
             </a:lvl1pPr>
           </a:lstStyle>
@@ -529,7 +2575,7 @@
         </p:nvSpPr>
         <p:spPr bwMode="auto">
           <a:xfrm>
-            <a:off x="609599" y="274638"/>
+            <a:off x="609599" y="274639"/>
             <a:ext cx="8026399" cy="5851525"/>
           </a:xfrm>
         </p:spPr>
@@ -606,7 +2652,7 @@
             <a:pPr>
               <a:defRPr/>
             </a:pPr>
-            <a:fld id="{86EB4D43-F783-4E09-8208-6AA351DBC29B}" type="datetimeFigureOut">
+            <a:fld id="{D328A2AD-CA6C-4CEE-80DD-5B3591997DB0}" type="datetimeFigureOut">
               <a:rPr/>
               <a:t/>
             </a:fld>
@@ -654,7 +2700,7 @@
             <a:pPr>
               <a:defRPr/>
             </a:pPr>
-            <a:fld id="{F8E3F0E9-0FC2-4DDE-87CF-3BA6A04EA4CC}" type="slidenum">
+            <a:fld id="{9F5014F7-E485-415F-A69C-6237A648DEF6}" type="slidenum">
               <a:rPr/>
               <a:t/>
             </a:fld>
@@ -797,7 +2843,7 @@
             <a:pPr>
               <a:defRPr/>
             </a:pPr>
-            <a:fld id="{86EB4D43-F783-4E09-8208-6AA351DBC29B}" type="datetimeFigureOut">
+            <a:fld id="{D328A2AD-CA6C-4CEE-80DD-5B3591997DB0}" type="datetimeFigureOut">
               <a:rPr/>
               <a:t/>
             </a:fld>
@@ -845,7 +2891,7 @@
             <a:pPr>
               <a:defRPr/>
             </a:pPr>
-            <a:fld id="{F8E3F0E9-0FC2-4DDE-87CF-3BA6A04EA4CC}" type="slidenum">
+            <a:fld id="{9F5014F7-E485-415F-A69C-6237A648DEF6}" type="slidenum">
               <a:rPr/>
               <a:t/>
             </a:fld>
@@ -1053,7 +3099,7 @@
             <a:pPr>
               <a:defRPr/>
             </a:pPr>
-            <a:fld id="{86EB4D43-F783-4E09-8208-6AA351DBC29B}" type="datetimeFigureOut">
+            <a:fld id="{D328A2AD-CA6C-4CEE-80DD-5B3591997DB0}" type="datetimeFigureOut">
               <a:rPr/>
               <a:t/>
             </a:fld>
@@ -1101,7 +3147,7 @@
             <a:pPr>
               <a:defRPr/>
             </a:pPr>
-            <a:fld id="{F8E3F0E9-0FC2-4DDE-87CF-3BA6A04EA4CC}" type="slidenum">
+            <a:fld id="{9F5014F7-E485-415F-A69C-6237A648DEF6}" type="slidenum">
               <a:rPr/>
               <a:t/>
             </a:fld>
@@ -1172,8 +3218,8 @@
         </p:nvSpPr>
         <p:spPr bwMode="auto">
           <a:xfrm>
-            <a:off x="1583497" y="1600201"/>
-            <a:ext cx="4704522" cy="4525962"/>
+            <a:off x="609599" y="1600201"/>
+            <a:ext cx="5384799" cy="4525962"/>
           </a:xfrm>
         </p:spPr>
         <p:txBody>
@@ -1271,8 +3317,8 @@
         </p:nvSpPr>
         <p:spPr bwMode="auto">
           <a:xfrm>
-            <a:off x="6576053" y="1600201"/>
-            <a:ext cx="5006346" cy="4525962"/>
+            <a:off x="6197599" y="1600201"/>
+            <a:ext cx="5384799" cy="4525962"/>
           </a:xfrm>
         </p:spPr>
         <p:txBody>
@@ -1376,7 +3422,7 @@
             <a:pPr>
               <a:defRPr/>
             </a:pPr>
-            <a:fld id="{86EB4D43-F783-4E09-8208-6AA351DBC29B}" type="datetimeFigureOut">
+            <a:fld id="{D328A2AD-CA6C-4CEE-80DD-5B3591997DB0}" type="datetimeFigureOut">
               <a:rPr/>
               <a:t/>
             </a:fld>
@@ -1424,7 +3470,7 @@
             <a:pPr>
               <a:defRPr/>
             </a:pPr>
-            <a:fld id="{F8E3F0E9-0FC2-4DDE-87CF-3BA6A04EA4CC}" type="slidenum">
+            <a:fld id="{9F5014F7-E485-415F-A69C-6237A648DEF6}" type="slidenum">
               <a:rPr/>
               <a:t/>
             </a:fld>
@@ -1499,8 +3545,8 @@
         </p:nvSpPr>
         <p:spPr bwMode="auto">
           <a:xfrm>
-            <a:off x="1583497" y="1535113"/>
-            <a:ext cx="4704522" cy="639762"/>
+            <a:off x="609599" y="1535113"/>
+            <a:ext cx="5386917" cy="639762"/>
           </a:xfrm>
         </p:spPr>
         <p:txBody>
@@ -1567,8 +3613,8 @@
         </p:nvSpPr>
         <p:spPr bwMode="auto">
           <a:xfrm>
-            <a:off x="1583497" y="2174874"/>
-            <a:ext cx="4704522" cy="3951288"/>
+            <a:off x="609599" y="2174874"/>
+            <a:ext cx="5386917" cy="3951288"/>
           </a:xfrm>
         </p:spPr>
         <p:txBody>
@@ -1666,8 +3712,8 @@
         </p:nvSpPr>
         <p:spPr bwMode="auto">
           <a:xfrm>
-            <a:off x="6480042" y="1535113"/>
-            <a:ext cx="5102357" cy="639762"/>
+            <a:off x="6193373" y="1535113"/>
+            <a:ext cx="5389033" cy="639762"/>
           </a:xfrm>
         </p:spPr>
         <p:txBody>
@@ -1734,8 +3780,8 @@
         </p:nvSpPr>
         <p:spPr bwMode="auto">
           <a:xfrm>
-            <a:off x="6480042" y="2174874"/>
-            <a:ext cx="5102357" cy="3951288"/>
+            <a:off x="6193373" y="2174874"/>
+            <a:ext cx="5389033" cy="3951288"/>
           </a:xfrm>
         </p:spPr>
         <p:txBody>
@@ -1839,7 +3885,7 @@
             <a:pPr>
               <a:defRPr/>
             </a:pPr>
-            <a:fld id="{86EB4D43-F783-4E09-8208-6AA351DBC29B}" type="datetimeFigureOut">
+            <a:fld id="{D328A2AD-CA6C-4CEE-80DD-5B3591997DB0}" type="datetimeFigureOut">
               <a:rPr/>
               <a:t/>
             </a:fld>
@@ -1887,7 +3933,7 @@
             <a:pPr>
               <a:defRPr/>
             </a:pPr>
-            <a:fld id="{F8E3F0E9-0FC2-4DDE-87CF-3BA6A04EA4CC}" type="slidenum">
+            <a:fld id="{9F5014F7-E485-415F-A69C-6237A648DEF6}" type="slidenum">
               <a:rPr/>
               <a:t/>
             </a:fld>
@@ -1964,7 +4010,7 @@
             <a:pPr>
               <a:defRPr/>
             </a:pPr>
-            <a:fld id="{86EB4D43-F783-4E09-8208-6AA351DBC29B}" type="datetimeFigureOut">
+            <a:fld id="{D328A2AD-CA6C-4CEE-80DD-5B3591997DB0}" type="datetimeFigureOut">
               <a:rPr/>
               <a:t/>
             </a:fld>
@@ -2012,7 +4058,7 @@
             <a:pPr>
               <a:defRPr/>
             </a:pPr>
-            <a:fld id="{F8E3F0E9-0FC2-4DDE-87CF-3BA6A04EA4CC}" type="slidenum">
+            <a:fld id="{9F5014F7-E485-415F-A69C-6237A648DEF6}" type="slidenum">
               <a:rPr/>
               <a:t/>
             </a:fld>
@@ -2063,7 +4109,7 @@
             <a:pPr>
               <a:defRPr/>
             </a:pPr>
-            <a:fld id="{86EB4D43-F783-4E09-8208-6AA351DBC29B}" type="datetimeFigureOut">
+            <a:fld id="{D328A2AD-CA6C-4CEE-80DD-5B3591997DB0}" type="datetimeFigureOut">
               <a:rPr/>
               <a:t/>
             </a:fld>
@@ -2111,7 +4157,7 @@
             <a:pPr>
               <a:defRPr/>
             </a:pPr>
-            <a:fld id="{F8E3F0E9-0FC2-4DDE-87CF-3BA6A04EA4CC}" type="slidenum">
+            <a:fld id="{9F5014F7-E485-415F-A69C-6237A648DEF6}" type="slidenum">
               <a:rPr/>
               <a:t/>
             </a:fld>
@@ -2156,8 +4202,8 @@
         </p:nvSpPr>
         <p:spPr bwMode="auto">
           <a:xfrm>
-            <a:off x="1583497" y="273049"/>
-            <a:ext cx="3552394" cy="1162050"/>
+            <a:off x="609606" y="273049"/>
+            <a:ext cx="4011084" cy="1162050"/>
           </a:xfrm>
         </p:spPr>
         <p:txBody>
@@ -2191,8 +4237,8 @@
         </p:nvSpPr>
         <p:spPr bwMode="auto">
           <a:xfrm>
-            <a:off x="5327913" y="273050"/>
-            <a:ext cx="6254485" cy="5853113"/>
+            <a:off x="4766732" y="273053"/>
+            <a:ext cx="6815666" cy="5853113"/>
           </a:xfrm>
         </p:spPr>
         <p:txBody>
@@ -2290,8 +4336,8 @@
         </p:nvSpPr>
         <p:spPr bwMode="auto">
           <a:xfrm>
-            <a:off x="1583497" y="1435101"/>
-            <a:ext cx="3552394" cy="4691062"/>
+            <a:off x="609606" y="1435103"/>
+            <a:ext cx="4011084" cy="4691062"/>
           </a:xfrm>
         </p:spPr>
         <p:txBody>
@@ -2364,7 +4410,7 @@
             <a:pPr>
               <a:defRPr/>
             </a:pPr>
-            <a:fld id="{86EB4D43-F783-4E09-8208-6AA351DBC29B}" type="datetimeFigureOut">
+            <a:fld id="{D328A2AD-CA6C-4CEE-80DD-5B3591997DB0}" type="datetimeFigureOut">
               <a:rPr/>
               <a:t/>
             </a:fld>
@@ -2412,7 +4458,7 @@
             <a:pPr>
               <a:defRPr/>
             </a:pPr>
-            <a:fld id="{F8E3F0E9-0FC2-4DDE-87CF-3BA6A04EA4CC}" type="slidenum">
+            <a:fld id="{9F5014F7-E485-415F-A69C-6237A648DEF6}" type="slidenum">
               <a:rPr/>
               <a:t/>
             </a:fld>
@@ -2457,8 +4503,8 @@
         </p:nvSpPr>
         <p:spPr bwMode="auto">
           <a:xfrm>
-            <a:off x="1583497" y="4800600"/>
-            <a:ext cx="9985109" cy="566738"/>
+            <a:off x="2389717" y="4800601"/>
+            <a:ext cx="7315200" cy="566738"/>
           </a:xfrm>
         </p:spPr>
         <p:txBody>
@@ -2492,8 +4538,8 @@
         </p:nvSpPr>
         <p:spPr bwMode="auto">
           <a:xfrm>
-            <a:off x="1583497" y="612774"/>
-            <a:ext cx="9985109" cy="4114799"/>
+            <a:off x="2389717" y="612774"/>
+            <a:ext cx="7315200" cy="4114799"/>
           </a:xfrm>
         </p:spPr>
         <p:txBody>
@@ -2556,8 +4602,8 @@
         </p:nvSpPr>
         <p:spPr bwMode="auto">
           <a:xfrm>
-            <a:off x="1583497" y="5367337"/>
-            <a:ext cx="9985109" cy="804862"/>
+            <a:off x="2389717" y="5367339"/>
+            <a:ext cx="7315200" cy="804862"/>
           </a:xfrm>
         </p:spPr>
         <p:txBody>
@@ -2630,7 +4676,7 @@
             <a:pPr>
               <a:defRPr/>
             </a:pPr>
-            <a:fld id="{86EB4D43-F783-4E09-8208-6AA351DBC29B}" type="datetimeFigureOut">
+            <a:fld id="{D328A2AD-CA6C-4CEE-80DD-5B3591997DB0}" type="datetimeFigureOut">
               <a:rPr/>
               <a:t/>
             </a:fld>
@@ -2678,7 +4724,7 @@
             <a:pPr>
               <a:defRPr/>
             </a:pPr>
-            <a:fld id="{F8E3F0E9-0FC2-4DDE-87CF-3BA6A04EA4CC}" type="slidenum">
+            <a:fld id="{9F5014F7-E485-415F-A69C-6237A648DEF6}" type="slidenum">
               <a:rPr/>
               <a:t/>
             </a:fld>
@@ -2718,92 +4764,16 @@
       </p:grpSpPr>
       <p:sp>
         <p:nvSpPr>
-          <p:cNvPr id="3" name="Текст 2"/>
-          <p:cNvSpPr>
-            <a:spLocks noGrp="1"/>
-          </p:cNvSpPr>
-          <p:nvPr>
-            <p:ph type="body" idx="1"/>
-          </p:nvPr>
+          <p:cNvPr id="7" name="Shape 1058"/>
+          <p:cNvSpPr>
+            <a:spLocks noChangeArrowheads="1" noGrp="1"/>
+          </p:cNvSpPr>
+          <p:nvPr userDrawn="1"/>
         </p:nvSpPr>
         <p:spPr bwMode="auto">
           <a:xfrm>
-            <a:off x="1583497" y="1600201"/>
-            <a:ext cx="9998901" cy="4525962"/>
-          </a:xfrm>
-          <a:prstGeom prst="rect">
-            <a:avLst/>
-          </a:prstGeom>
-        </p:spPr>
-        <p:txBody>
-          <a:bodyPr vert="horz" lIns="91440" tIns="45720" rIns="91440" bIns="45720" rtlCol="0">
-            <a:normAutofit/>
-          </a:bodyPr>
-          <a:lstStyle/>
-          <a:p>
-            <a:pPr lvl="0">
-              <a:defRPr/>
-            </a:pPr>
-            <a:r>
-              <a:rPr/>
-              <a:t>Образец текста</a:t>
-            </a:r>
-            <a:endParaRPr/>
-          </a:p>
-          <a:p>
-            <a:pPr lvl="1">
-              <a:defRPr/>
-            </a:pPr>
-            <a:r>
-              <a:rPr/>
-              <a:t>Второй уровень</a:t>
-            </a:r>
-            <a:endParaRPr/>
-          </a:p>
-          <a:p>
-            <a:pPr lvl="2">
-              <a:defRPr/>
-            </a:pPr>
-            <a:r>
-              <a:rPr/>
-              <a:t>Третий уровень</a:t>
-            </a:r>
-            <a:endParaRPr/>
-          </a:p>
-          <a:p>
-            <a:pPr lvl="3">
-              <a:defRPr/>
-            </a:pPr>
-            <a:r>
-              <a:rPr/>
-              <a:t>Четвертый уровень</a:t>
-            </a:r>
-            <a:endParaRPr/>
-          </a:p>
-          <a:p>
-            <a:pPr lvl="4">
-              <a:defRPr/>
-            </a:pPr>
-            <a:r>
-              <a:rPr/>
-              <a:t>Пятый уровень</a:t>
-            </a:r>
-            <a:endParaRPr/>
-          </a:p>
-        </p:txBody>
-      </p:sp>
-      <p:sp>
-        <p:nvSpPr>
-          <p:cNvPr id="46" name="Shape 1058"/>
-          <p:cNvSpPr>
-            <a:spLocks noChangeArrowheads="1" noGrp="1"/>
-          </p:cNvSpPr>
-          <p:nvPr userDrawn="1"/>
-        </p:nvSpPr>
-        <p:spPr bwMode="auto">
-          <a:xfrm>
-            <a:off x="0" y="0"/>
-            <a:ext cx="12191999" cy="6858000"/>
+            <a:off x="0" y="2"/>
+            <a:ext cx="12191999" cy="6838950"/>
           </a:xfrm>
           <a:custGeom>
             <a:avLst/>
@@ -2814,44 +4784,25 @@
             <a:pathLst>
               <a:path w="43200" h="43200" fill="norm" stroke="0" extrusionOk="0">
                 <a:moveTo>
-                  <a:pt x="6343" y="6641"/>
+                  <a:pt x="0" y="30392"/>
                 </a:moveTo>
                 <a:lnTo>
-                  <a:pt x="6343" y="6641"/>
+                  <a:pt x="0" y="30392"/>
                 </a:lnTo>
                 <a:cubicBezTo>
-                  <a:pt x="7781" y="2374"/>
-                  <a:pt x="8594" y="0"/>
-                  <a:pt x="8594" y="0"/>
+                  <a:pt x="0" y="30392"/>
+                  <a:pt x="30246" y="52055"/>
+                  <a:pt x="43200" y="35131"/>
                 </a:cubicBezTo>
+                <a:lnTo>
+                  <a:pt x="43200" y="0"/>
+                </a:lnTo>
                 <a:lnTo>
                   <a:pt x="0" y="0"/>
                 </a:lnTo>
                 <a:lnTo>
-                  <a:pt x="0" y="43200"/>
+                  <a:pt x="0" y="30392"/>
                 </a:lnTo>
-                <a:lnTo>
-                  <a:pt x="43200" y="43200"/>
-                </a:lnTo>
-                <a:lnTo>
-                  <a:pt x="43200" y="37760"/>
-                </a:lnTo>
-                <a:lnTo>
-                  <a:pt x="43200" y="37760"/>
-                </a:lnTo>
-                <a:cubicBezTo>
-                  <a:pt x="43200" y="37760"/>
-                  <a:pt x="34824" y="39282"/>
-                  <a:pt x="21228" y="41101"/>
-                </a:cubicBezTo>
-                <a:lnTo>
-                  <a:pt x="21228" y="41101"/>
-                </a:lnTo>
-                <a:cubicBezTo>
-                  <a:pt x="3446" y="43478"/>
-                  <a:pt x="-5241" y="41016"/>
-                  <a:pt x="6343" y="6641"/>
-                </a:cubicBezTo>
                 <a:close/>
               </a:path>
             </a:pathLst>
@@ -2871,7 +4822,7 @@
       </p:sp>
       <p:sp>
         <p:nvSpPr>
-          <p:cNvPr id="47" name="Shape 1059"/>
+          <p:cNvPr id="8" name="Shape 1059"/>
           <p:cNvSpPr>
             <a:spLocks noChangeArrowheads="1" noGrp="1"/>
           </p:cNvSpPr>
@@ -2879,23 +4830,8 @@
         </p:nvSpPr>
         <p:spPr bwMode="auto">
           <a:xfrm>
-            <a:off x="0" y="0"/>
-            <a:ext cx="12191999" cy="6858000"/>
-          </a:xfrm>
-        </p:spPr>
-      </p:sp>
-      <p:sp>
-        <p:nvSpPr>
-          <p:cNvPr id="48" name="Shape 1060"/>
-          <p:cNvSpPr>
-            <a:spLocks noChangeArrowheads="1" noGrp="1"/>
-          </p:cNvSpPr>
-          <p:nvPr userDrawn="1"/>
-        </p:nvSpPr>
-        <p:spPr bwMode="auto">
-          <a:xfrm>
-            <a:off x="0" y="0"/>
-            <a:ext cx="12191999" cy="6858000"/>
+            <a:off x="0" y="2"/>
+            <a:ext cx="12191999" cy="6838950"/>
           </a:xfrm>
           <a:custGeom>
             <a:avLst/>
@@ -2904,76 +4840,27 @@
             <a:cxnLst/>
             <a:rect l="l" t="t" r="r" b="b"/>
             <a:pathLst>
-              <a:path w="43200" h="43200" fill="norm" stroke="0" extrusionOk="0">
+              <a:path w="43200" h="43200" fill="none" stroke="1" extrusionOk="0">
                 <a:moveTo>
-                  <a:pt x="22361" y="36777"/>
+                  <a:pt x="-22" y="30392"/>
                 </a:moveTo>
                 <a:lnTo>
-                  <a:pt x="22361" y="36777"/>
+                  <a:pt x="-22" y="30392"/>
                 </a:lnTo>
                 <a:cubicBezTo>
-                  <a:pt x="5219" y="39070"/>
-                  <a:pt x="-2372" y="36412"/>
-                  <a:pt x="7775" y="6299"/>
+                  <a:pt x="-22" y="30392"/>
+                  <a:pt x="30330" y="52055"/>
+                  <a:pt x="43245" y="35131"/>
                 </a:cubicBezTo>
-                <a:lnTo>
-                  <a:pt x="7775" y="6299"/>
-                </a:lnTo>
-                <a:cubicBezTo>
-                  <a:pt x="9119" y="2311"/>
-                  <a:pt x="9892" y="58"/>
-                  <a:pt x="9911" y="0"/>
-                </a:cubicBezTo>
-                <a:lnTo>
-                  <a:pt x="8597" y="0"/>
-                </a:lnTo>
-                <a:lnTo>
-                  <a:pt x="8597" y="0"/>
-                </a:lnTo>
-                <a:cubicBezTo>
-                  <a:pt x="8597" y="0"/>
-                  <a:pt x="7784" y="2374"/>
-                  <a:pt x="6346" y="6641"/>
-                </a:cubicBezTo>
-                <a:lnTo>
-                  <a:pt x="6346" y="6641"/>
-                </a:lnTo>
-                <a:cubicBezTo>
-                  <a:pt x="-5238" y="41016"/>
-                  <a:pt x="3448" y="43478"/>
-                  <a:pt x="21229" y="41101"/>
-                </a:cubicBezTo>
-                <a:lnTo>
-                  <a:pt x="21229" y="41101"/>
-                </a:lnTo>
-                <a:cubicBezTo>
-                  <a:pt x="34825" y="39282"/>
-                  <a:pt x="43200" y="37760"/>
-                  <a:pt x="43200" y="37760"/>
-                </a:cubicBezTo>
-                <a:lnTo>
-                  <a:pt x="43200" y="33612"/>
-                </a:lnTo>
-                <a:lnTo>
-                  <a:pt x="43200" y="33612"/>
-                </a:lnTo>
-                <a:cubicBezTo>
-                  <a:pt x="43110" y="33630"/>
-                  <a:pt x="35168" y="35065"/>
-                  <a:pt x="22361" y="36777"/>
-                </a:cubicBezTo>
-                <a:close/>
               </a:path>
             </a:pathLst>
           </a:custGeom>
           <a:solidFill>
-            <a:schemeClr val="accent1">
-              <a:alpha val="9000"/>
-            </a:schemeClr>
+            <a:srgbClr val="FFFFFF"/>
           </a:solidFill>
-          <a:ln w="9524">
+          <a:ln w="7560">
             <a:solidFill>
-              <a:srgbClr val="000000"/>
+              <a:srgbClr val="FFFFFF"/>
             </a:solidFill>
             <a:round/>
             <a:headEnd/>
@@ -2983,7 +4870,7 @@
       </p:sp>
       <p:sp>
         <p:nvSpPr>
-          <p:cNvPr id="49" name="Shape 1061"/>
+          <p:cNvPr id="9" name="Shape 1060"/>
           <p:cNvSpPr>
             <a:spLocks noChangeArrowheads="1" noGrp="1"/>
           </p:cNvSpPr>
@@ -2991,8 +4878,8 @@
         </p:nvSpPr>
         <p:spPr bwMode="auto">
           <a:xfrm>
-            <a:off x="0" y="0"/>
-            <a:ext cx="12191999" cy="6858000"/>
+            <a:off x="0" y="2"/>
+            <a:ext cx="12191999" cy="6838950"/>
           </a:xfrm>
           <a:custGeom>
             <a:avLst/>
@@ -3001,76 +4888,29 @@
             <a:cxnLst/>
             <a:rect l="l" t="t" r="r" b="b"/>
             <a:pathLst>
-              <a:path w="43200" h="43200" fill="norm" stroke="0" extrusionOk="0">
+              <a:path w="43200" h="43200" fill="none" stroke="1" extrusionOk="0">
                 <a:moveTo>
-                  <a:pt x="22276" y="37156"/>
+                  <a:pt x="-22" y="29977"/>
                 </a:moveTo>
                 <a:lnTo>
-                  <a:pt x="22276" y="37156"/>
+                  <a:pt x="-22" y="29977"/>
                 </a:lnTo>
                 <a:cubicBezTo>
-                  <a:pt x="5093" y="39454"/>
-                  <a:pt x="-2596" y="36819"/>
-                  <a:pt x="7680" y="6325"/>
+                  <a:pt x="-22" y="29977"/>
+                  <a:pt x="29238" y="51595"/>
+                  <a:pt x="43239" y="32973"/>
                 </a:cubicBezTo>
-                <a:lnTo>
-                  <a:pt x="7680" y="6325"/>
-                </a:lnTo>
-                <a:cubicBezTo>
-                  <a:pt x="9010" y="2380"/>
-                  <a:pt x="9781" y="117"/>
-                  <a:pt x="9819" y="0"/>
-                </a:cubicBezTo>
-                <a:lnTo>
-                  <a:pt x="8597" y="0"/>
-                </a:lnTo>
-                <a:lnTo>
-                  <a:pt x="8597" y="0"/>
-                </a:lnTo>
-                <a:cubicBezTo>
-                  <a:pt x="8597" y="0"/>
-                  <a:pt x="7784" y="2374"/>
-                  <a:pt x="6346" y="6641"/>
-                </a:cubicBezTo>
-                <a:lnTo>
-                  <a:pt x="6346" y="6641"/>
-                </a:lnTo>
-                <a:cubicBezTo>
-                  <a:pt x="-5238" y="41016"/>
-                  <a:pt x="3448" y="43478"/>
-                  <a:pt x="21229" y="41101"/>
-                </a:cubicBezTo>
-                <a:lnTo>
-                  <a:pt x="21229" y="41101"/>
-                </a:lnTo>
-                <a:cubicBezTo>
-                  <a:pt x="34825" y="39282"/>
-                  <a:pt x="43200" y="37760"/>
-                  <a:pt x="43200" y="37760"/>
-                </a:cubicBezTo>
-                <a:lnTo>
-                  <a:pt x="43200" y="33980"/>
-                </a:lnTo>
-                <a:lnTo>
-                  <a:pt x="43200" y="33980"/>
-                </a:lnTo>
-                <a:cubicBezTo>
-                  <a:pt x="43020" y="34016"/>
-                  <a:pt x="35046" y="35449"/>
-                  <a:pt x="22276" y="37156"/>
-                </a:cubicBezTo>
-                <a:close/>
               </a:path>
             </a:pathLst>
           </a:custGeom>
           <a:solidFill>
-            <a:schemeClr val="accent1">
-              <a:alpha val="18000"/>
-            </a:schemeClr>
+            <a:srgbClr val="FFFFFF"/>
           </a:solidFill>
-          <a:ln w="9524">
+          <a:ln w="6930">
             <a:solidFill>
-              <a:srgbClr val="000000"/>
+              <a:srgbClr val="FFFFFF">
+                <a:alpha val="0"/>
+              </a:srgbClr>
             </a:solidFill>
             <a:round/>
             <a:headEnd/>
@@ -3080,7 +4920,7 @@
       </p:sp>
       <p:sp>
         <p:nvSpPr>
-          <p:cNvPr id="50" name="Shape 1062"/>
+          <p:cNvPr id="10" name="Shape 1061"/>
           <p:cNvSpPr>
             <a:spLocks noChangeArrowheads="1" noGrp="1"/>
           </p:cNvSpPr>
@@ -3088,8 +4928,8 @@
         </p:nvSpPr>
         <p:spPr bwMode="auto">
           <a:xfrm>
-            <a:off x="0" y="0"/>
-            <a:ext cx="12191999" cy="6858000"/>
+            <a:off x="0" y="2"/>
+            <a:ext cx="12191999" cy="6838950"/>
           </a:xfrm>
           <a:custGeom>
             <a:avLst/>
@@ -3098,76 +4938,29 @@
             <a:cxnLst/>
             <a:rect l="l" t="t" r="r" b="b"/>
             <a:pathLst>
-              <a:path w="43200" h="43200" fill="norm" stroke="0" extrusionOk="0">
+              <a:path w="43200" h="43200" fill="none" stroke="1" extrusionOk="0">
                 <a:moveTo>
-                  <a:pt x="22192" y="37535"/>
+                  <a:pt x="-22" y="29562"/>
                 </a:moveTo>
                 <a:lnTo>
-                  <a:pt x="22192" y="37535"/>
+                  <a:pt x="-22" y="29562"/>
                 </a:lnTo>
                 <a:cubicBezTo>
-                  <a:pt x="4968" y="39839"/>
-                  <a:pt x="-2820" y="37226"/>
-                  <a:pt x="7585" y="6350"/>
+                  <a:pt x="-22" y="29562"/>
+                  <a:pt x="28147" y="51135"/>
+                  <a:pt x="43233" y="30816"/>
                 </a:cubicBezTo>
-                <a:lnTo>
-                  <a:pt x="7585" y="6350"/>
-                </a:lnTo>
-                <a:cubicBezTo>
-                  <a:pt x="8900" y="2448"/>
-                  <a:pt x="9670" y="176"/>
-                  <a:pt x="9726" y="0"/>
-                </a:cubicBezTo>
-                <a:lnTo>
-                  <a:pt x="8597" y="0"/>
-                </a:lnTo>
-                <a:lnTo>
-                  <a:pt x="8597" y="0"/>
-                </a:lnTo>
-                <a:cubicBezTo>
-                  <a:pt x="8597" y="0"/>
-                  <a:pt x="7784" y="2374"/>
-                  <a:pt x="6346" y="6641"/>
-                </a:cubicBezTo>
-                <a:lnTo>
-                  <a:pt x="6346" y="6641"/>
-                </a:lnTo>
-                <a:cubicBezTo>
-                  <a:pt x="-5238" y="41016"/>
-                  <a:pt x="3448" y="43478"/>
-                  <a:pt x="21229" y="41101"/>
-                </a:cubicBezTo>
-                <a:lnTo>
-                  <a:pt x="21229" y="41101"/>
-                </a:lnTo>
-                <a:cubicBezTo>
-                  <a:pt x="34825" y="39282"/>
-                  <a:pt x="43200" y="37760"/>
-                  <a:pt x="43200" y="37760"/>
-                </a:cubicBezTo>
-                <a:lnTo>
-                  <a:pt x="43200" y="34348"/>
-                </a:lnTo>
-                <a:lnTo>
-                  <a:pt x="43200" y="34348"/>
-                </a:lnTo>
-                <a:cubicBezTo>
-                  <a:pt x="42885" y="34402"/>
-                  <a:pt x="34924" y="35833"/>
-                  <a:pt x="22192" y="37535"/>
-                </a:cubicBezTo>
-                <a:close/>
               </a:path>
             </a:pathLst>
           </a:custGeom>
           <a:solidFill>
-            <a:schemeClr val="accent1">
-              <a:alpha val="26998"/>
-            </a:schemeClr>
+            <a:srgbClr val="FFFFFF"/>
           </a:solidFill>
-          <a:ln w="9524">
+          <a:ln w="6300">
             <a:solidFill>
-              <a:srgbClr val="000000"/>
+              <a:srgbClr val="FFFFFF">
+                <a:alpha val="77254"/>
+              </a:srgbClr>
             </a:solidFill>
             <a:round/>
             <a:headEnd/>
@@ -3177,7 +4970,7 @@
       </p:sp>
       <p:sp>
         <p:nvSpPr>
-          <p:cNvPr id="51" name="Shape 1063"/>
+          <p:cNvPr id="11" name="Shape 1062"/>
           <p:cNvSpPr>
             <a:spLocks noChangeArrowheads="1" noGrp="1"/>
           </p:cNvSpPr>
@@ -3185,8 +4978,8 @@
         </p:nvSpPr>
         <p:spPr bwMode="auto">
           <a:xfrm>
-            <a:off x="0" y="0"/>
-            <a:ext cx="12191999" cy="6858000"/>
+            <a:off x="0" y="2"/>
+            <a:ext cx="12191999" cy="6838950"/>
           </a:xfrm>
           <a:custGeom>
             <a:avLst/>
@@ -3195,76 +4988,29 @@
             <a:cxnLst/>
             <a:rect l="l" t="t" r="r" b="b"/>
             <a:pathLst>
-              <a:path w="43200" h="43200" fill="norm" stroke="0" extrusionOk="0">
+              <a:path w="43200" h="43200" fill="none" stroke="1" extrusionOk="0">
                 <a:moveTo>
-                  <a:pt x="22107" y="37914"/>
+                  <a:pt x="-22" y="29147"/>
                 </a:moveTo>
                 <a:lnTo>
-                  <a:pt x="22107" y="37914"/>
+                  <a:pt x="-22" y="29147"/>
                 </a:lnTo>
                 <a:cubicBezTo>
-                  <a:pt x="4842" y="40223"/>
-                  <a:pt x="-3044" y="37634"/>
-                  <a:pt x="7490" y="6376"/>
+                  <a:pt x="-22" y="29147"/>
+                  <a:pt x="27056" y="50675"/>
+                  <a:pt x="43228" y="28658"/>
                 </a:cubicBezTo>
-                <a:lnTo>
-                  <a:pt x="7490" y="6376"/>
-                </a:lnTo>
-                <a:cubicBezTo>
-                  <a:pt x="8790" y="2517"/>
-                  <a:pt x="9559" y="235"/>
-                  <a:pt x="9634" y="0"/>
-                </a:cubicBezTo>
-                <a:lnTo>
-                  <a:pt x="8597" y="0"/>
-                </a:lnTo>
-                <a:lnTo>
-                  <a:pt x="8597" y="0"/>
-                </a:lnTo>
-                <a:cubicBezTo>
-                  <a:pt x="8597" y="0"/>
-                  <a:pt x="7784" y="2374"/>
-                  <a:pt x="6346" y="6641"/>
-                </a:cubicBezTo>
-                <a:lnTo>
-                  <a:pt x="6346" y="6641"/>
-                </a:lnTo>
-                <a:cubicBezTo>
-                  <a:pt x="-5238" y="41016"/>
-                  <a:pt x="3448" y="43478"/>
-                  <a:pt x="21229" y="41101"/>
-                </a:cubicBezTo>
-                <a:lnTo>
-                  <a:pt x="21229" y="41101"/>
-                </a:lnTo>
-                <a:cubicBezTo>
-                  <a:pt x="34825" y="39282"/>
-                  <a:pt x="43200" y="37760"/>
-                  <a:pt x="43200" y="37760"/>
-                </a:cubicBezTo>
-                <a:lnTo>
-                  <a:pt x="43200" y="34717"/>
-                </a:lnTo>
-                <a:lnTo>
-                  <a:pt x="43200" y="34717"/>
-                </a:lnTo>
-                <a:cubicBezTo>
-                  <a:pt x="42795" y="34789"/>
-                  <a:pt x="34802" y="36217"/>
-                  <a:pt x="22107" y="37914"/>
-                </a:cubicBezTo>
-                <a:close/>
               </a:path>
             </a:pathLst>
           </a:custGeom>
           <a:solidFill>
-            <a:schemeClr val="accent1">
-              <a:alpha val="36000"/>
-            </a:schemeClr>
+            <a:srgbClr val="FFFFFF"/>
           </a:solidFill>
-          <a:ln w="9524">
+          <a:ln w="5670">
             <a:solidFill>
-              <a:srgbClr val="000000"/>
+              <a:srgbClr val="FFFFFF">
+                <a:alpha val="65882"/>
+              </a:srgbClr>
             </a:solidFill>
             <a:round/>
             <a:headEnd/>
@@ -3274,7 +5020,7 @@
       </p:sp>
       <p:sp>
         <p:nvSpPr>
-          <p:cNvPr id="52" name="Shape 1064"/>
+          <p:cNvPr id="12" name="Shape 1063"/>
           <p:cNvSpPr>
             <a:spLocks noChangeArrowheads="1" noGrp="1"/>
           </p:cNvSpPr>
@@ -3282,8 +5028,8 @@
         </p:nvSpPr>
         <p:spPr bwMode="auto">
           <a:xfrm>
-            <a:off x="0" y="0"/>
-            <a:ext cx="12191999" cy="6858000"/>
+            <a:off x="0" y="2"/>
+            <a:ext cx="12191999" cy="6838950"/>
           </a:xfrm>
           <a:custGeom>
             <a:avLst/>
@@ -3292,76 +5038,29 @@
             <a:cxnLst/>
             <a:rect l="l" t="t" r="r" b="b"/>
             <a:pathLst>
-              <a:path w="43200" h="43200" fill="norm" stroke="0" extrusionOk="0">
+              <a:path w="43200" h="43200" fill="none" stroke="1" extrusionOk="0">
                 <a:moveTo>
-                  <a:pt x="22022" y="38293"/>
+                  <a:pt x="-22" y="28733"/>
                 </a:moveTo>
                 <a:lnTo>
-                  <a:pt x="22022" y="38293"/>
+                  <a:pt x="-22" y="28733"/>
                 </a:lnTo>
                 <a:cubicBezTo>
-                  <a:pt x="4717" y="40608"/>
-                  <a:pt x="-3267" y="38041"/>
-                  <a:pt x="7394" y="6401"/>
+                  <a:pt x="-22" y="28733"/>
+                  <a:pt x="25965" y="50214"/>
+                  <a:pt x="43222" y="26500"/>
                 </a:cubicBezTo>
-                <a:lnTo>
-                  <a:pt x="7394" y="6401"/>
-                </a:lnTo>
-                <a:cubicBezTo>
-                  <a:pt x="8680" y="2586"/>
-                  <a:pt x="9448" y="293"/>
-                  <a:pt x="9542" y="0"/>
-                </a:cubicBezTo>
-                <a:lnTo>
-                  <a:pt x="8597" y="0"/>
-                </a:lnTo>
-                <a:lnTo>
-                  <a:pt x="8597" y="0"/>
-                </a:lnTo>
-                <a:cubicBezTo>
-                  <a:pt x="8597" y="0"/>
-                  <a:pt x="7784" y="2374"/>
-                  <a:pt x="6346" y="6641"/>
-                </a:cubicBezTo>
-                <a:lnTo>
-                  <a:pt x="6346" y="6641"/>
-                </a:lnTo>
-                <a:cubicBezTo>
-                  <a:pt x="-5238" y="41016"/>
-                  <a:pt x="3448" y="43478"/>
-                  <a:pt x="21229" y="41101"/>
-                </a:cubicBezTo>
-                <a:lnTo>
-                  <a:pt x="21229" y="41101"/>
-                </a:lnTo>
-                <a:cubicBezTo>
-                  <a:pt x="34825" y="39282"/>
-                  <a:pt x="43200" y="37760"/>
-                  <a:pt x="43200" y="37760"/>
-                </a:cubicBezTo>
-                <a:lnTo>
-                  <a:pt x="43200" y="35085"/>
-                </a:lnTo>
-                <a:lnTo>
-                  <a:pt x="43200" y="35085"/>
-                </a:lnTo>
-                <a:cubicBezTo>
-                  <a:pt x="42705" y="35175"/>
-                  <a:pt x="34680" y="36601"/>
-                  <a:pt x="22022" y="38293"/>
-                </a:cubicBezTo>
-                <a:close/>
               </a:path>
             </a:pathLst>
           </a:custGeom>
           <a:solidFill>
-            <a:schemeClr val="accent1">
-              <a:alpha val="45000"/>
-            </a:schemeClr>
+            <a:srgbClr val="FFFFFF"/>
           </a:solidFill>
-          <a:ln w="9524">
+          <a:ln w="5040">
             <a:solidFill>
-              <a:srgbClr val="000000"/>
+              <a:srgbClr val="FFFFFF">
+                <a:alpha val="54900"/>
+              </a:srgbClr>
             </a:solidFill>
             <a:round/>
             <a:headEnd/>
@@ -3371,7 +5070,7 @@
       </p:sp>
       <p:sp>
         <p:nvSpPr>
-          <p:cNvPr id="53" name="Shape 1065"/>
+          <p:cNvPr id="13" name="Shape 1064"/>
           <p:cNvSpPr>
             <a:spLocks noChangeArrowheads="1" noGrp="1"/>
           </p:cNvSpPr>
@@ -3379,8 +5078,8 @@
         </p:nvSpPr>
         <p:spPr bwMode="auto">
           <a:xfrm>
-            <a:off x="0" y="0"/>
-            <a:ext cx="12191999" cy="6858000"/>
+            <a:off x="0" y="2"/>
+            <a:ext cx="12191999" cy="6838950"/>
           </a:xfrm>
           <a:custGeom>
             <a:avLst/>
@@ -3389,76 +5088,29 @@
             <a:cxnLst/>
             <a:rect l="l" t="t" r="r" b="b"/>
             <a:pathLst>
-              <a:path w="43200" h="43200" fill="norm" stroke="0" extrusionOk="0">
+              <a:path w="43200" h="43200" fill="none" stroke="1" extrusionOk="0">
                 <a:moveTo>
-                  <a:pt x="21937" y="38673"/>
+                  <a:pt x="-22" y="28319"/>
                 </a:moveTo>
                 <a:lnTo>
-                  <a:pt x="21937" y="38673"/>
+                  <a:pt x="-22" y="28319"/>
                 </a:lnTo>
                 <a:cubicBezTo>
-                  <a:pt x="4591" y="40992"/>
-                  <a:pt x="-3491" y="38448"/>
-                  <a:pt x="7299" y="6427"/>
+                  <a:pt x="-22" y="28319"/>
+                  <a:pt x="24873" y="49754"/>
+                  <a:pt x="43216" y="24342"/>
                 </a:cubicBezTo>
-                <a:lnTo>
-                  <a:pt x="7299" y="6427"/>
-                </a:lnTo>
-                <a:cubicBezTo>
-                  <a:pt x="8570" y="2655"/>
-                  <a:pt x="9336" y="352"/>
-                  <a:pt x="9449" y="0"/>
-                </a:cubicBezTo>
-                <a:lnTo>
-                  <a:pt x="8597" y="0"/>
-                </a:lnTo>
-                <a:lnTo>
-                  <a:pt x="8597" y="0"/>
-                </a:lnTo>
-                <a:cubicBezTo>
-                  <a:pt x="8597" y="0"/>
-                  <a:pt x="7784" y="2374"/>
-                  <a:pt x="6346" y="6641"/>
-                </a:cubicBezTo>
-                <a:lnTo>
-                  <a:pt x="6346" y="6641"/>
-                </a:lnTo>
-                <a:cubicBezTo>
-                  <a:pt x="-5238" y="41016"/>
-                  <a:pt x="3448" y="43478"/>
-                  <a:pt x="21229" y="41101"/>
-                </a:cubicBezTo>
-                <a:lnTo>
-                  <a:pt x="21229" y="41101"/>
-                </a:lnTo>
-                <a:cubicBezTo>
-                  <a:pt x="34825" y="39282"/>
-                  <a:pt x="43200" y="37760"/>
-                  <a:pt x="43200" y="37760"/>
-                </a:cubicBezTo>
-                <a:lnTo>
-                  <a:pt x="43200" y="35453"/>
-                </a:lnTo>
-                <a:lnTo>
-                  <a:pt x="43200" y="35453"/>
-                </a:lnTo>
-                <a:cubicBezTo>
-                  <a:pt x="42570" y="35561"/>
-                  <a:pt x="34558" y="36985"/>
-                  <a:pt x="21937" y="38673"/>
-                </a:cubicBezTo>
-                <a:close/>
               </a:path>
             </a:pathLst>
           </a:custGeom>
           <a:solidFill>
-            <a:schemeClr val="accent1">
-              <a:alpha val="55000"/>
-            </a:schemeClr>
+            <a:srgbClr val="FFFFFF"/>
           </a:solidFill>
-          <a:ln w="9524">
+          <a:ln w="4410">
             <a:solidFill>
-              <a:srgbClr val="000000"/>
+              <a:srgbClr val="FFFFFF">
+                <a:alpha val="43529"/>
+              </a:srgbClr>
             </a:solidFill>
             <a:round/>
             <a:headEnd/>
@@ -3468,7 +5120,7 @@
       </p:sp>
       <p:sp>
         <p:nvSpPr>
-          <p:cNvPr id="54" name="Shape 1066"/>
+          <p:cNvPr id="14" name="Shape 1065"/>
           <p:cNvSpPr>
             <a:spLocks noChangeArrowheads="1" noGrp="1"/>
           </p:cNvSpPr>
@@ -3476,8 +5128,8 @@
         </p:nvSpPr>
         <p:spPr bwMode="auto">
           <a:xfrm>
-            <a:off x="0" y="0"/>
-            <a:ext cx="12191999" cy="6858000"/>
+            <a:off x="0" y="2"/>
+            <a:ext cx="12191999" cy="6838950"/>
           </a:xfrm>
           <a:custGeom>
             <a:avLst/>
@@ -3486,76 +5138,29 @@
             <a:cxnLst/>
             <a:rect l="l" t="t" r="r" b="b"/>
             <a:pathLst>
-              <a:path w="43200" h="43200" fill="norm" stroke="0" extrusionOk="0">
+              <a:path w="43200" h="43200" fill="none" stroke="1" extrusionOk="0">
                 <a:moveTo>
-                  <a:pt x="21853" y="39052"/>
+                  <a:pt x="-22" y="27904"/>
                 </a:moveTo>
                 <a:lnTo>
-                  <a:pt x="21853" y="39052"/>
+                  <a:pt x="-22" y="27904"/>
                 </a:lnTo>
                 <a:cubicBezTo>
-                  <a:pt x="4466" y="41377"/>
-                  <a:pt x="-3715" y="38855"/>
-                  <a:pt x="7204" y="6453"/>
+                  <a:pt x="-22" y="27904"/>
+                  <a:pt x="23782" y="49294"/>
+                  <a:pt x="43211" y="22185"/>
                 </a:cubicBezTo>
-                <a:lnTo>
-                  <a:pt x="7204" y="6453"/>
-                </a:lnTo>
-                <a:cubicBezTo>
-                  <a:pt x="8461" y="2724"/>
-                  <a:pt x="9225" y="411"/>
-                  <a:pt x="9357" y="0"/>
-                </a:cubicBezTo>
-                <a:lnTo>
-                  <a:pt x="8597" y="0"/>
-                </a:lnTo>
-                <a:lnTo>
-                  <a:pt x="8597" y="0"/>
-                </a:lnTo>
-                <a:cubicBezTo>
-                  <a:pt x="8597" y="0"/>
-                  <a:pt x="7784" y="2374"/>
-                  <a:pt x="6346" y="6641"/>
-                </a:cubicBezTo>
-                <a:lnTo>
-                  <a:pt x="6346" y="6641"/>
-                </a:lnTo>
-                <a:cubicBezTo>
-                  <a:pt x="-5238" y="41016"/>
-                  <a:pt x="3448" y="43478"/>
-                  <a:pt x="21229" y="41101"/>
-                </a:cubicBezTo>
-                <a:lnTo>
-                  <a:pt x="21229" y="41101"/>
-                </a:lnTo>
-                <a:cubicBezTo>
-                  <a:pt x="34825" y="39282"/>
-                  <a:pt x="43200" y="37760"/>
-                  <a:pt x="43200" y="37760"/>
-                </a:cubicBezTo>
-                <a:lnTo>
-                  <a:pt x="43200" y="35822"/>
-                </a:lnTo>
-                <a:lnTo>
-                  <a:pt x="43200" y="35822"/>
-                </a:lnTo>
-                <a:cubicBezTo>
-                  <a:pt x="42480" y="35948"/>
-                  <a:pt x="34436" y="37369"/>
-                  <a:pt x="21853" y="39052"/>
-                </a:cubicBezTo>
-                <a:close/>
               </a:path>
             </a:pathLst>
           </a:custGeom>
           <a:solidFill>
-            <a:schemeClr val="accent1">
-              <a:alpha val="63999"/>
-            </a:schemeClr>
+            <a:srgbClr val="FFFFFF"/>
           </a:solidFill>
-          <a:ln w="9524">
+          <a:ln w="3780">
             <a:solidFill>
-              <a:srgbClr val="000000"/>
+              <a:srgbClr val="FFFFFF">
+                <a:alpha val="32156"/>
+              </a:srgbClr>
             </a:solidFill>
             <a:round/>
             <a:headEnd/>
@@ -3565,7 +5170,7 @@
       </p:sp>
       <p:sp>
         <p:nvSpPr>
-          <p:cNvPr id="55" name="Shape 1067"/>
+          <p:cNvPr id="15" name="Shape 1066"/>
           <p:cNvSpPr>
             <a:spLocks noChangeArrowheads="1" noGrp="1"/>
           </p:cNvSpPr>
@@ -3573,8 +5178,8 @@
         </p:nvSpPr>
         <p:spPr bwMode="auto">
           <a:xfrm>
-            <a:off x="0" y="0"/>
-            <a:ext cx="12191999" cy="6858000"/>
+            <a:off x="0" y="2"/>
+            <a:ext cx="12191999" cy="6838950"/>
           </a:xfrm>
           <a:custGeom>
             <a:avLst/>
@@ -3583,76 +5188,29 @@
             <a:cxnLst/>
             <a:rect l="l" t="t" r="r" b="b"/>
             <a:pathLst>
-              <a:path w="43200" h="43200" fill="norm" stroke="0" extrusionOk="0">
+              <a:path w="43200" h="43200" fill="none" stroke="1" extrusionOk="0">
                 <a:moveTo>
-                  <a:pt x="21768" y="39431"/>
+                  <a:pt x="-22" y="27489"/>
                 </a:moveTo>
                 <a:lnTo>
-                  <a:pt x="21768" y="39431"/>
+                  <a:pt x="-22" y="27489"/>
                 </a:lnTo>
                 <a:cubicBezTo>
-                  <a:pt x="4340" y="41761"/>
-                  <a:pt x="-3939" y="39262"/>
-                  <a:pt x="7109" y="6478"/>
+                  <a:pt x="-22" y="27489"/>
+                  <a:pt x="22691" y="48834"/>
+                  <a:pt x="43205" y="20027"/>
                 </a:cubicBezTo>
-                <a:lnTo>
-                  <a:pt x="7109" y="6478"/>
-                </a:lnTo>
-                <a:cubicBezTo>
-                  <a:pt x="8351" y="2792"/>
-                  <a:pt x="9114" y="470"/>
-                  <a:pt x="9265" y="0"/>
-                </a:cubicBezTo>
-                <a:lnTo>
-                  <a:pt x="8597" y="0"/>
-                </a:lnTo>
-                <a:lnTo>
-                  <a:pt x="8597" y="0"/>
-                </a:lnTo>
-                <a:cubicBezTo>
-                  <a:pt x="8597" y="0"/>
-                  <a:pt x="7784" y="2374"/>
-                  <a:pt x="6346" y="6641"/>
-                </a:cubicBezTo>
-                <a:lnTo>
-                  <a:pt x="6346" y="6641"/>
-                </a:lnTo>
-                <a:cubicBezTo>
-                  <a:pt x="-5238" y="41016"/>
-                  <a:pt x="3448" y="43478"/>
-                  <a:pt x="21229" y="41101"/>
-                </a:cubicBezTo>
-                <a:lnTo>
-                  <a:pt x="21229" y="41101"/>
-                </a:lnTo>
-                <a:cubicBezTo>
-                  <a:pt x="34825" y="39282"/>
-                  <a:pt x="43200" y="37760"/>
-                  <a:pt x="43200" y="37760"/>
-                </a:cubicBezTo>
-                <a:lnTo>
-                  <a:pt x="43200" y="36190"/>
-                </a:lnTo>
-                <a:lnTo>
-                  <a:pt x="43200" y="36190"/>
-                </a:lnTo>
-                <a:cubicBezTo>
-                  <a:pt x="42390" y="36334"/>
-                  <a:pt x="34314" y="37753"/>
-                  <a:pt x="21768" y="39431"/>
-                </a:cubicBezTo>
-                <a:close/>
               </a:path>
             </a:pathLst>
           </a:custGeom>
           <a:solidFill>
-            <a:schemeClr val="accent1">
-              <a:alpha val="73000"/>
-            </a:schemeClr>
+            <a:srgbClr val="FFFFFF"/>
           </a:solidFill>
-          <a:ln w="9524">
+          <a:ln w="3150">
             <a:solidFill>
-              <a:srgbClr val="000000"/>
+              <a:srgbClr val="FFFFFF">
+                <a:alpha val="21176"/>
+              </a:srgbClr>
             </a:solidFill>
             <a:round/>
             <a:headEnd/>
@@ -3662,7 +5220,7 @@
       </p:sp>
       <p:sp>
         <p:nvSpPr>
-          <p:cNvPr id="56" name="Shape 1068"/>
+          <p:cNvPr id="16" name="Shape 1067"/>
           <p:cNvSpPr>
             <a:spLocks noChangeArrowheads="1" noGrp="1"/>
           </p:cNvSpPr>
@@ -3670,8 +5228,8 @@
         </p:nvSpPr>
         <p:spPr bwMode="auto">
           <a:xfrm>
-            <a:off x="0" y="0"/>
-            <a:ext cx="12191999" cy="6858000"/>
+            <a:off x="0" y="2"/>
+            <a:ext cx="12191999" cy="6838950"/>
           </a:xfrm>
           <a:custGeom>
             <a:avLst/>
@@ -3680,76 +5238,29 @@
             <a:cxnLst/>
             <a:rect l="l" t="t" r="r" b="b"/>
             <a:pathLst>
-              <a:path w="43200" h="43200" fill="norm" stroke="0" extrusionOk="0">
+              <a:path w="43200" h="43200" fill="none" stroke="1" extrusionOk="0">
                 <a:moveTo>
-                  <a:pt x="21683" y="39810"/>
+                  <a:pt x="-22" y="27075"/>
                 </a:moveTo>
                 <a:lnTo>
-                  <a:pt x="21683" y="39810"/>
+                  <a:pt x="-22" y="27075"/>
                 </a:lnTo>
                 <a:cubicBezTo>
-                  <a:pt x="4214" y="42146"/>
-                  <a:pt x="-4163" y="39669"/>
-                  <a:pt x="7014" y="6504"/>
+                  <a:pt x="-22" y="27075"/>
+                  <a:pt x="21600" y="48374"/>
+                  <a:pt x="43200" y="17869"/>
                 </a:cubicBezTo>
-                <a:lnTo>
-                  <a:pt x="7014" y="6504"/>
-                </a:lnTo>
-                <a:cubicBezTo>
-                  <a:pt x="8241" y="2861"/>
-                  <a:pt x="9003" y="528"/>
-                  <a:pt x="9172" y="0"/>
-                </a:cubicBezTo>
-                <a:lnTo>
-                  <a:pt x="8597" y="0"/>
-                </a:lnTo>
-                <a:lnTo>
-                  <a:pt x="8597" y="0"/>
-                </a:lnTo>
-                <a:cubicBezTo>
-                  <a:pt x="8597" y="0"/>
-                  <a:pt x="7784" y="2374"/>
-                  <a:pt x="6346" y="6641"/>
-                </a:cubicBezTo>
-                <a:lnTo>
-                  <a:pt x="6346" y="6641"/>
-                </a:lnTo>
-                <a:cubicBezTo>
-                  <a:pt x="-5238" y="41016"/>
-                  <a:pt x="3448" y="43478"/>
-                  <a:pt x="21229" y="41101"/>
-                </a:cubicBezTo>
-                <a:lnTo>
-                  <a:pt x="21229" y="41101"/>
-                </a:lnTo>
-                <a:cubicBezTo>
-                  <a:pt x="34825" y="39282"/>
-                  <a:pt x="43200" y="37760"/>
-                  <a:pt x="43200" y="37760"/>
-                </a:cubicBezTo>
-                <a:lnTo>
-                  <a:pt x="43200" y="36558"/>
-                </a:lnTo>
-                <a:lnTo>
-                  <a:pt x="43200" y="36558"/>
-                </a:lnTo>
-                <a:cubicBezTo>
-                  <a:pt x="42300" y="36720"/>
-                  <a:pt x="34192" y="38137"/>
-                  <a:pt x="21683" y="39810"/>
-                </a:cubicBezTo>
-                <a:close/>
               </a:path>
             </a:pathLst>
           </a:custGeom>
           <a:solidFill>
-            <a:schemeClr val="accent1">
-              <a:alpha val="82000"/>
-            </a:schemeClr>
+            <a:srgbClr val="FFFFFF"/>
           </a:solidFill>
-          <a:ln w="9524">
+          <a:ln w="2520">
             <a:solidFill>
-              <a:srgbClr val="000000"/>
+              <a:srgbClr val="FFFFFF">
+                <a:alpha val="9803"/>
+              </a:srgbClr>
             </a:solidFill>
             <a:round/>
             <a:headEnd/>
@@ -3759,246 +5270,178 @@
       </p:sp>
       <p:sp>
         <p:nvSpPr>
-          <p:cNvPr id="57" name="Shape 1069"/>
-          <p:cNvSpPr>
-            <a:spLocks noChangeArrowheads="1" noGrp="1"/>
-          </p:cNvSpPr>
-          <p:nvPr userDrawn="1"/>
+          <p:cNvPr id="3" name="Текст 2"/>
+          <p:cNvSpPr>
+            <a:spLocks noGrp="1"/>
+          </p:cNvSpPr>
+          <p:nvPr>
+            <p:ph type="body" idx="1"/>
+          </p:nvPr>
         </p:nvSpPr>
         <p:spPr bwMode="auto">
           <a:xfrm>
-            <a:off x="0" y="0"/>
-            <a:ext cx="12191999" cy="6858000"/>
-          </a:xfrm>
-          <a:custGeom>
-            <a:avLst/>
-            <a:gdLst/>
-            <a:ahLst/>
-            <a:cxnLst/>
-            <a:rect l="l" t="t" r="r" b="b"/>
-            <a:pathLst>
-              <a:path w="43200" h="43200" fill="norm" stroke="0" extrusionOk="0">
-                <a:moveTo>
-                  <a:pt x="21599" y="40189"/>
-                </a:moveTo>
-                <a:lnTo>
-                  <a:pt x="21599" y="40189"/>
-                </a:lnTo>
-                <a:cubicBezTo>
-                  <a:pt x="4089" y="42530"/>
-                  <a:pt x="-4386" y="40077"/>
-                  <a:pt x="6918" y="6529"/>
-                </a:cubicBezTo>
-                <a:lnTo>
-                  <a:pt x="6918" y="6529"/>
-                </a:lnTo>
-                <a:cubicBezTo>
-                  <a:pt x="8131" y="2930"/>
-                  <a:pt x="8892" y="587"/>
-                  <a:pt x="9080" y="0"/>
-                </a:cubicBezTo>
-                <a:lnTo>
-                  <a:pt x="8597" y="0"/>
-                </a:lnTo>
-                <a:lnTo>
-                  <a:pt x="8597" y="0"/>
-                </a:lnTo>
-                <a:cubicBezTo>
-                  <a:pt x="8597" y="0"/>
-                  <a:pt x="7784" y="2374"/>
-                  <a:pt x="6346" y="6641"/>
-                </a:cubicBezTo>
-                <a:lnTo>
-                  <a:pt x="6346" y="6641"/>
-                </a:lnTo>
-                <a:cubicBezTo>
-                  <a:pt x="-5238" y="41016"/>
-                  <a:pt x="3448" y="43478"/>
-                  <a:pt x="21229" y="41101"/>
-                </a:cubicBezTo>
-                <a:lnTo>
-                  <a:pt x="21229" y="41101"/>
-                </a:lnTo>
-                <a:cubicBezTo>
-                  <a:pt x="34825" y="39282"/>
-                  <a:pt x="43200" y="37760"/>
-                  <a:pt x="43200" y="37760"/>
-                </a:cubicBezTo>
-                <a:lnTo>
-                  <a:pt x="43200" y="36926"/>
-                </a:lnTo>
-                <a:lnTo>
-                  <a:pt x="43200" y="36926"/>
-                </a:lnTo>
-                <a:cubicBezTo>
-                  <a:pt x="42165" y="37107"/>
-                  <a:pt x="34070" y="38521"/>
-                  <a:pt x="21599" y="40189"/>
-                </a:cubicBezTo>
-                <a:close/>
-              </a:path>
-            </a:pathLst>
-          </a:custGeom>
-          <a:solidFill>
-            <a:schemeClr val="accent1">
-              <a:alpha val="91000"/>
-            </a:schemeClr>
-          </a:solidFill>
-          <a:ln w="9524">
-            <a:solidFill>
-              <a:srgbClr val="000000"/>
-            </a:solidFill>
-            <a:round/>
-            <a:headEnd/>
-            <a:tailEnd/>
-          </a:ln>
-        </p:spPr>
-      </p:sp>
-      <p:sp>
-        <p:nvSpPr>
-          <p:cNvPr id="58" name="Shape 1070"/>
-          <p:cNvSpPr>
-            <a:spLocks noChangeArrowheads="1" noGrp="1"/>
-          </p:cNvSpPr>
-          <p:nvPr userDrawn="1"/>
-        </p:nvSpPr>
-        <p:spPr bwMode="auto">
-          <a:xfrm>
-            <a:off x="0" y="0"/>
-            <a:ext cx="12191999" cy="6858000"/>
-          </a:xfrm>
-          <a:custGeom>
-            <a:avLst/>
-            <a:gdLst/>
-            <a:ahLst/>
-            <a:cxnLst/>
-            <a:rect l="l" t="t" r="r" b="b"/>
-            <a:pathLst>
-              <a:path w="43200" h="43200" fill="norm" stroke="0" extrusionOk="0">
-                <a:moveTo>
-                  <a:pt x="21514" y="40568"/>
-                </a:moveTo>
-                <a:lnTo>
-                  <a:pt x="21514" y="40568"/>
-                </a:lnTo>
-                <a:cubicBezTo>
-                  <a:pt x="3963" y="42915"/>
-                  <a:pt x="-4610" y="40484"/>
-                  <a:pt x="6823" y="6555"/>
-                </a:cubicBezTo>
-                <a:lnTo>
-                  <a:pt x="6823" y="6555"/>
-                </a:lnTo>
-                <a:cubicBezTo>
-                  <a:pt x="8022" y="2999"/>
-                  <a:pt x="8781" y="646"/>
-                  <a:pt x="8988" y="0"/>
-                </a:cubicBezTo>
-                <a:lnTo>
-                  <a:pt x="8597" y="0"/>
-                </a:lnTo>
-                <a:lnTo>
-                  <a:pt x="8597" y="0"/>
-                </a:lnTo>
-                <a:cubicBezTo>
-                  <a:pt x="8597" y="0"/>
-                  <a:pt x="7784" y="2374"/>
-                  <a:pt x="6346" y="6641"/>
-                </a:cubicBezTo>
-                <a:lnTo>
-                  <a:pt x="6346" y="6641"/>
-                </a:lnTo>
-                <a:cubicBezTo>
-                  <a:pt x="-5238" y="41016"/>
-                  <a:pt x="3448" y="43478"/>
-                  <a:pt x="21229" y="41101"/>
-                </a:cubicBezTo>
-                <a:lnTo>
-                  <a:pt x="21229" y="41101"/>
-                </a:lnTo>
-                <a:cubicBezTo>
-                  <a:pt x="34825" y="39282"/>
-                  <a:pt x="43200" y="37760"/>
-                  <a:pt x="43200" y="37760"/>
-                </a:cubicBezTo>
-                <a:lnTo>
-                  <a:pt x="43200" y="37295"/>
-                </a:lnTo>
-                <a:lnTo>
-                  <a:pt x="43200" y="37295"/>
-                </a:lnTo>
-                <a:cubicBezTo>
-                  <a:pt x="42075" y="37493"/>
-                  <a:pt x="33948" y="38905"/>
-                  <a:pt x="21514" y="40568"/>
-                </a:cubicBezTo>
-                <a:close/>
-              </a:path>
-            </a:pathLst>
-          </a:custGeom>
-          <a:solidFill>
-            <a:schemeClr val="accent1"/>
-          </a:solidFill>
-          <a:ln w="9524">
-            <a:solidFill>
-              <a:srgbClr val="000000"/>
-            </a:solidFill>
-            <a:round/>
-            <a:headEnd/>
-            <a:tailEnd/>
-          </a:ln>
-        </p:spPr>
-      </p:sp>
-      <p:sp>
-        <p:nvSpPr>
-          <p:cNvPr id="2" name="Заголовок 1"/>
-          <p:cNvSpPr>
-            <a:spLocks noGrp="1"/>
-          </p:cNvSpPr>
-          <p:nvPr>
-            <p:ph type="title"/>
-          </p:nvPr>
-        </p:nvSpPr>
-        <p:spPr bwMode="auto">
-          <a:xfrm>
-            <a:off x="1583497" y="274638"/>
-            <a:ext cx="9998901" cy="1143000"/>
+            <a:off x="609599" y="1600201"/>
+            <a:ext cx="10972800" cy="4525962"/>
           </a:xfrm>
           <a:prstGeom prst="rect">
             <a:avLst/>
           </a:prstGeom>
         </p:spPr>
         <p:txBody>
-          <a:bodyPr vert="horz" lIns="91440" tIns="45720" rIns="91440" bIns="45720" rtlCol="0" anchor="ctr">
+          <a:bodyPr vert="horz" lIns="91440" tIns="45720" rIns="91440" bIns="45720" rtlCol="0">
             <a:normAutofit/>
           </a:bodyPr>
           <a:lstStyle/>
           <a:p>
-            <a:pPr>
-              <a:defRPr/>
-            </a:pPr>
-            <a:r>
-              <a:rPr/>
-              <a:t>Образец заголовка</a:t>
-            </a:r>
-            <a:endParaRPr/>
-          </a:p>
-        </p:txBody>
-      </p:sp>
-      <p:sp>
-        <p:nvSpPr>
-          <p:cNvPr id="6" name="Номер слайда 5"/>
-          <p:cNvSpPr>
-            <a:spLocks noGrp="1"/>
-          </p:cNvSpPr>
-          <p:nvPr>
-            <p:ph type="sldNum" sz="quarter" idx="4"/>
+            <a:pPr lvl="0">
+              <a:defRPr/>
+            </a:pPr>
+            <a:r>
+              <a:rPr/>
+              <a:t>Образец текста</a:t>
+            </a:r>
+            <a:endParaRPr/>
+          </a:p>
+          <a:p>
+            <a:pPr lvl="1">
+              <a:defRPr/>
+            </a:pPr>
+            <a:r>
+              <a:rPr/>
+              <a:t>Второй уровень</a:t>
+            </a:r>
+            <a:endParaRPr/>
+          </a:p>
+          <a:p>
+            <a:pPr lvl="2">
+              <a:defRPr/>
+            </a:pPr>
+            <a:r>
+              <a:rPr/>
+              <a:t>Третий уровень</a:t>
+            </a:r>
+            <a:endParaRPr/>
+          </a:p>
+          <a:p>
+            <a:pPr lvl="3">
+              <a:defRPr/>
+            </a:pPr>
+            <a:r>
+              <a:rPr/>
+              <a:t>Четвертый уровень</a:t>
+            </a:r>
+            <a:endParaRPr/>
+          </a:p>
+          <a:p>
+            <a:pPr lvl="4">
+              <a:defRPr/>
+            </a:pPr>
+            <a:r>
+              <a:rPr/>
+              <a:t>Пятый уровень</a:t>
+            </a:r>
+            <a:endParaRPr/>
+          </a:p>
+        </p:txBody>
+      </p:sp>
+      <p:sp>
+        <p:nvSpPr>
+          <p:cNvPr id="4" name="Дата 3"/>
+          <p:cNvSpPr>
+            <a:spLocks noGrp="1"/>
+          </p:cNvSpPr>
+          <p:nvPr>
+            <p:ph type="dt" sz="half" idx="2"/>
           </p:nvPr>
         </p:nvSpPr>
         <p:spPr bwMode="auto">
           <a:xfrm>
-            <a:off x="9264351" y="6356350"/>
-            <a:ext cx="2318047" cy="365125"/>
+            <a:off x="609599" y="6356351"/>
+            <a:ext cx="2844798" cy="365125"/>
+          </a:xfrm>
+          <a:prstGeom prst="rect">
+            <a:avLst/>
+          </a:prstGeom>
+        </p:spPr>
+        <p:txBody>
+          <a:bodyPr vert="horz" lIns="91440" tIns="45720" rIns="91440" bIns="45720" rtlCol="0" anchor="ctr"/>
+          <a:lstStyle>
+            <a:lvl1pPr algn="l">
+              <a:defRPr sz="1200">
+                <a:solidFill>
+                  <a:schemeClr val="tx1">
+                    <a:tint val="75000"/>
+                  </a:schemeClr>
+                </a:solidFill>
+              </a:defRPr>
+            </a:lvl1pPr>
+          </a:lstStyle>
+          <a:p>
+            <a:pPr>
+              <a:defRPr/>
+            </a:pPr>
+            <a:fld id="{D328A2AD-CA6C-4CEE-80DD-5B3591997DB0}" type="datetimeFigureOut">
+              <a:rPr/>
+              <a:t/>
+            </a:fld>
+            <a:endParaRPr/>
+          </a:p>
+        </p:txBody>
+      </p:sp>
+      <p:sp>
+        <p:nvSpPr>
+          <p:cNvPr id="5" name="Нижний колонтитул 4"/>
+          <p:cNvSpPr>
+            <a:spLocks noGrp="1"/>
+          </p:cNvSpPr>
+          <p:nvPr>
+            <p:ph type="ftr" sz="quarter" idx="3"/>
+          </p:nvPr>
+        </p:nvSpPr>
+        <p:spPr bwMode="auto">
+          <a:xfrm>
+            <a:off x="4165599" y="6356351"/>
+            <a:ext cx="3860799" cy="365125"/>
+          </a:xfrm>
+          <a:prstGeom prst="rect">
+            <a:avLst/>
+          </a:prstGeom>
+        </p:spPr>
+        <p:txBody>
+          <a:bodyPr vert="horz" lIns="91440" tIns="45720" rIns="91440" bIns="45720" rtlCol="0" anchor="ctr"/>
+          <a:lstStyle>
+            <a:lvl1pPr algn="ctr">
+              <a:defRPr sz="1200">
+                <a:solidFill>
+                  <a:schemeClr val="tx1">
+                    <a:tint val="75000"/>
+                  </a:schemeClr>
+                </a:solidFill>
+              </a:defRPr>
+            </a:lvl1pPr>
+          </a:lstStyle>
+          <a:p>
+            <a:pPr>
+              <a:defRPr/>
+            </a:pPr>
+            <a:endParaRPr/>
+          </a:p>
+        </p:txBody>
+      </p:sp>
+      <p:sp>
+        <p:nvSpPr>
+          <p:cNvPr id="6" name="Номер слайда 5"/>
+          <p:cNvSpPr>
+            <a:spLocks noGrp="1"/>
+          </p:cNvSpPr>
+          <p:nvPr>
+            <p:ph type="sldNum" sz="quarter" idx="4"/>
+          </p:nvPr>
+        </p:nvSpPr>
+        <p:spPr bwMode="auto">
+          <a:xfrm>
+            <a:off x="8737599" y="6356351"/>
+            <a:ext cx="2844798" cy="365125"/>
           </a:xfrm>
           <a:prstGeom prst="rect">
             <a:avLst/>
@@ -4021,11 +5464,7 @@
             <a:pPr>
               <a:defRPr/>
             </a:pPr>
-            <a:r>
-              <a:rPr/>
-              <a:t>	</a:t>
-            </a:r>
-            <a:fld id="{F8E3F0E9-0FC2-4DDE-87CF-3BA6A04EA4CC}" type="slidenum">
+            <a:fld id="{9F5014F7-E485-415F-A69C-6237A648DEF6}" type="slidenum">
               <a:rPr/>
               <a:t/>
             </a:fld>
@@ -4035,84 +5474,36 @@
       </p:sp>
       <p:sp>
         <p:nvSpPr>
-          <p:cNvPr id="4" name="Дата 3"/>
-          <p:cNvSpPr>
-            <a:spLocks noGrp="1"/>
-          </p:cNvSpPr>
-          <p:nvPr>
-            <p:ph type="dt" sz="half" idx="2"/>
+          <p:cNvPr id="2" name="Заголовок 1"/>
+          <p:cNvSpPr>
+            <a:spLocks noGrp="1"/>
+          </p:cNvSpPr>
+          <p:nvPr>
+            <p:ph type="title"/>
           </p:nvPr>
         </p:nvSpPr>
         <p:spPr bwMode="auto">
           <a:xfrm>
-            <a:off x="1619018" y="6356350"/>
-            <a:ext cx="2844798" cy="365125"/>
+            <a:off x="609599" y="274638"/>
+            <a:ext cx="10972800" cy="1143000"/>
           </a:xfrm>
           <a:prstGeom prst="rect">
             <a:avLst/>
           </a:prstGeom>
         </p:spPr>
         <p:txBody>
-          <a:bodyPr vert="horz" lIns="91440" tIns="45720" rIns="91440" bIns="45720" rtlCol="0" anchor="ctr"/>
-          <a:lstStyle>
-            <a:lvl1pPr algn="l">
-              <a:defRPr sz="1200">
-                <a:solidFill>
-                  <a:schemeClr val="tx1">
-                    <a:tint val="75000"/>
-                  </a:schemeClr>
-                </a:solidFill>
-              </a:defRPr>
-            </a:lvl1pPr>
-          </a:lstStyle>
+          <a:bodyPr vert="horz" lIns="91440" tIns="45720" rIns="91440" bIns="45720" rtlCol="0" anchor="ctr">
+            <a:normAutofit/>
+          </a:bodyPr>
+          <a:lstStyle/>
           <a:p>
             <a:pPr>
               <a:defRPr/>
             </a:pPr>
-            <a:fld id="{86EB4D43-F783-4E09-8208-6AA351DBC29B}" type="datetimeFigureOut">
-              <a:rPr/>
-              <a:t/>
-            </a:fld>
-            <a:endParaRPr/>
-          </a:p>
-        </p:txBody>
-      </p:sp>
-      <p:sp>
-        <p:nvSpPr>
-          <p:cNvPr id="5" name="Нижний колонтитул 4"/>
-          <p:cNvSpPr>
-            <a:spLocks noGrp="1"/>
-          </p:cNvSpPr>
-          <p:nvPr>
-            <p:ph type="ftr" sz="quarter" idx="3"/>
-          </p:nvPr>
-        </p:nvSpPr>
-        <p:spPr bwMode="auto">
-          <a:xfrm>
-            <a:off x="5125706" y="6356350"/>
-            <a:ext cx="3562581" cy="365125"/>
-          </a:xfrm>
-          <a:prstGeom prst="rect">
-            <a:avLst/>
-          </a:prstGeom>
-        </p:spPr>
-        <p:txBody>
-          <a:bodyPr vert="horz" lIns="91440" tIns="45720" rIns="91440" bIns="45720" rtlCol="0" anchor="ctr"/>
-          <a:lstStyle>
-            <a:lvl1pPr algn="ctr">
-              <a:defRPr sz="1200">
-                <a:solidFill>
-                  <a:schemeClr val="tx1">
-                    <a:tint val="75000"/>
-                  </a:schemeClr>
-                </a:solidFill>
-              </a:defRPr>
-            </a:lvl1pPr>
-          </a:lstStyle>
-          <a:p>
-            <a:pPr>
-              <a:defRPr/>
-            </a:pPr>
+            <a:r>
+              <a:rPr/>
+              <a:t>Образец заголовка</a:t>
+            </a:r>
             <a:endParaRPr/>
           </a:p>
         </p:txBody>
@@ -4135,7 +5526,7 @@
   </p:sldLayoutIdLst>
   <p:txStyles>
     <p:titleStyle>
-      <a:lvl1pPr algn="r" defTabSz="914400">
+      <a:lvl1pPr algn="ctr" defTabSz="914400">
         <a:spcBef>
           <a:spcPts val="0"/>
         </a:spcBef>
@@ -4443,7 +5834,7 @@
                 <a:latin typeface="Liberation Sans"/>
                 <a:cs typeface="Liberation Sans"/>
               </a:rPr>
-              <a:t>Симуляция волн</a:t>
+              <a:t>Создание компьютерной симуляции волн</a:t>
             </a:r>
             <a:endParaRPr sz="3600" b="0" strike="noStrike" spc="-1">
               <a:solidFill>
@@ -4488,16 +5879,29 @@
               <a:defRPr/>
             </a:pPr>
             <a:r>
-              <a:rPr sz="2400" b="0" strike="noStrike" spc="-1">
+              <a:rPr sz="2400" b="0" strike="noStrike" spc="0">
                 <a:solidFill>
                   <a:srgbClr val="000000"/>
                 </a:solidFill>
                 <a:latin typeface="Liberation Sans"/>
                 <a:cs typeface="Liberation Sans"/>
               </a:rPr>
-              <a:t>Подготовил Эдоков Артём</a:t>
-            </a:r>
-            <a:endParaRPr sz="2400" b="0" strike="noStrike" spc="-1">
+              <a:t>Эдоков Артем 10Б Школа №1357</a:t>
+            </a:r>
+            <a:endParaRPr sz="2400" b="0" strike="noStrike" spc="0">
+              <a:solidFill>
+                <a:srgbClr val="000000"/>
+              </a:solidFill>
+              <a:latin typeface="Liberation Sans"/>
+              <a:cs typeface="Liberation Sans"/>
+            </a:endParaRPr>
+          </a:p>
+          <a:p>
+            <a:pPr indent="0" algn="ctr">
+              <a:buNone/>
+              <a:defRPr/>
+            </a:pPr>
+            <a:endParaRPr sz="2400" b="0" strike="noStrike" spc="0">
               <a:solidFill>
                 <a:srgbClr val="000000"/>
               </a:solidFill>
@@ -4540,6 +5944,575 @@
           <a:chExt cx="0" cy="0"/>
         </a:xfrm>
       </p:grpSpPr>
+      <p:sp>
+        <p:nvSpPr>
+          <p:cNvPr id="1704940259" name="PlaceHolder 1"/>
+          <p:cNvSpPr>
+            <a:spLocks noGrp="1"/>
+          </p:cNvSpPr>
+          <p:nvPr>
+            <p:ph type="title"/>
+          </p:nvPr>
+        </p:nvSpPr>
+        <p:spPr bwMode="auto">
+          <a:xfrm flipH="0" flipV="0">
+            <a:off x="1523880" y="523874"/>
+            <a:ext cx="9142920" cy="689519"/>
+          </a:xfrm>
+          <a:prstGeom prst="rect">
+            <a:avLst/>
+          </a:prstGeom>
+          <a:noFill/>
+          <a:ln w="0">
+            <a:noFill/>
+          </a:ln>
+        </p:spPr>
+        <p:txBody>
+          <a:bodyPr lIns="0" tIns="0" rIns="0" bIns="0" anchor="b">
+            <a:noAutofit/>
+          </a:bodyPr>
+          <a:p>
+            <a:pPr indent="0" algn="ctr">
+              <a:buNone/>
+              <a:defRPr/>
+            </a:pPr>
+            <a:r>
+              <a:rPr sz="3600" b="0" strike="noStrike" spc="0">
+                <a:solidFill>
+                  <a:srgbClr val="000000"/>
+                </a:solidFill>
+                <a:latin typeface="Liberation Sans"/>
+                <a:cs typeface="Liberation Sans"/>
+              </a:rPr>
+              <a:t>Актуальность</a:t>
+            </a:r>
+            <a:endParaRPr sz="3600" b="0" strike="noStrike" spc="0">
+              <a:solidFill>
+                <a:srgbClr val="000000"/>
+              </a:solidFill>
+              <a:latin typeface="Liberation Sans"/>
+              <a:cs typeface="Liberation Sans"/>
+            </a:endParaRPr>
+          </a:p>
+        </p:txBody>
+      </p:sp>
+      <p:sp>
+        <p:nvSpPr>
+          <p:cNvPr id="213968889" name="PlaceHolder 2"/>
+          <p:cNvSpPr>
+            <a:spLocks noGrp="1"/>
+          </p:cNvSpPr>
+          <p:nvPr>
+            <p:ph type="subTitle"/>
+          </p:nvPr>
+        </p:nvSpPr>
+        <p:spPr bwMode="auto">
+          <a:xfrm flipH="0" flipV="0">
+            <a:off x="-119" y="1895473"/>
+            <a:ext cx="5525594" cy="3361243"/>
+          </a:xfrm>
+          <a:prstGeom prst="rect">
+            <a:avLst/>
+          </a:prstGeom>
+          <a:noFill/>
+          <a:ln w="0">
+            <a:noFill/>
+          </a:ln>
+        </p:spPr>
+        <p:txBody>
+          <a:bodyPr lIns="0" tIns="0" rIns="0" bIns="0" anchor="t">
+            <a:noAutofit/>
+          </a:bodyPr>
+          <a:p>
+            <a:pPr marL="692865" indent="-349965" algn="l">
+              <a:lnSpc>
+                <a:spcPct val="114999"/>
+              </a:lnSpc>
+              <a:buFont typeface="Arial"/>
+              <a:buAutoNum type="arabicParenR"/>
+              <a:defRPr/>
+            </a:pPr>
+            <a:r>
+              <a:rPr sz="2200" b="0" strike="noStrike" spc="0">
+                <a:solidFill>
+                  <a:srgbClr val="000000"/>
+                </a:solidFill>
+                <a:latin typeface="Liberation Sans"/>
+                <a:cs typeface="Liberation Sans"/>
+              </a:rPr>
+              <a:t>Малое количество разбирающихся учеников</a:t>
+            </a:r>
+            <a:endParaRPr sz="2200" b="0" strike="noStrike" spc="0">
+              <a:solidFill>
+                <a:srgbClr val="000000"/>
+              </a:solidFill>
+              <a:latin typeface="Liberation Sans"/>
+              <a:cs typeface="Liberation Sans"/>
+            </a:endParaRPr>
+          </a:p>
+          <a:p>
+            <a:pPr marL="692865" indent="-349965" algn="l">
+              <a:lnSpc>
+                <a:spcPct val="114999"/>
+              </a:lnSpc>
+              <a:buFont typeface="Arial"/>
+              <a:buAutoNum type="arabicParenR"/>
+              <a:defRPr/>
+            </a:pPr>
+            <a:r>
+              <a:rPr sz="2200" b="0" strike="noStrike" spc="0">
+                <a:solidFill>
+                  <a:srgbClr val="000000"/>
+                </a:solidFill>
+                <a:latin typeface="Liberation Sans"/>
+                <a:cs typeface="Liberation Sans"/>
+              </a:rPr>
+              <a:t>Отсутствие необходимого оборудования для демонстрации свойств света у учителей</a:t>
+            </a:r>
+            <a:endParaRPr sz="2200" b="0" strike="noStrike" spc="0">
+              <a:solidFill>
+                <a:srgbClr val="000000"/>
+              </a:solidFill>
+              <a:latin typeface="Liberation Sans"/>
+              <a:cs typeface="Liberation Sans"/>
+            </a:endParaRPr>
+          </a:p>
+          <a:p>
+            <a:pPr marL="692865" indent="-349965" algn="l">
+              <a:lnSpc>
+                <a:spcPct val="114999"/>
+              </a:lnSpc>
+              <a:buFont typeface="Arial"/>
+              <a:buAutoNum type="arabicParenR"/>
+              <a:defRPr/>
+            </a:pPr>
+            <a:r>
+              <a:rPr sz="2200" b="0" strike="noStrike" spc="0">
+                <a:solidFill>
+                  <a:srgbClr val="000000"/>
+                </a:solidFill>
+                <a:latin typeface="Liberation Sans"/>
+                <a:cs typeface="Liberation Sans"/>
+              </a:rPr>
+              <a:t>Затруднения в изучении</a:t>
+            </a:r>
+            <a:r>
+              <a:rPr sz="2200" b="0" strike="noStrike" spc="0">
+                <a:solidFill>
+                  <a:srgbClr val="000000"/>
+                </a:solidFill>
+                <a:latin typeface="Liberation Sans"/>
+                <a:cs typeface="Liberation Sans"/>
+              </a:rPr>
+              <a:t> </a:t>
+            </a:r>
+            <a:endParaRPr sz="2200" b="0" strike="noStrike" spc="0">
+              <a:solidFill>
+                <a:srgbClr val="000000"/>
+              </a:solidFill>
+              <a:latin typeface="Liberation Sans"/>
+              <a:cs typeface="Liberation Sans"/>
+            </a:endParaRPr>
+          </a:p>
+        </p:txBody>
+      </p:sp>
+      <p:graphicFrame>
+        <p:nvGraphicFramePr>
+          <p:cNvPr id="1117976383" name=""/>
+          <p:cNvGraphicFramePr>
+            <a:graphicFrameLocks xmlns:a="http://schemas.openxmlformats.org/drawingml/2006/main"/>
+          </p:cNvGraphicFramePr>
+          <p:nvPr/>
+        </p:nvGraphicFramePr>
+        <p:xfrm>
+          <a:off x="7068524" y="1827000"/>
+          <a:ext cx="4763849" cy="3203997"/>
+        </p:xfrm>
+        <a:graphic>
+          <a:graphicData uri="http://schemas.openxmlformats.org/drawingml/2006/chart">
+            <c:chart xmlns:c="http://schemas.openxmlformats.org/drawingml/2006/chart" xmlns:r="http://schemas.openxmlformats.org/officeDocument/2006/relationships" r:id="rId2"/>
+          </a:graphicData>
+        </a:graphic>
+      </p:graphicFrame>
+    </p:spTree>
+  </p:cSld>
+  <p:clrMapOvr>
+    <a:masterClrMapping/>
+  </p:clrMapOvr>
+  <mc:AlternateContent xmlns:mc="http://schemas.openxmlformats.org/markup-compatibility/2006">
+    <mc:Choice xmlns:p14="http://schemas.microsoft.com/office/powerpoint/2010/main" Requires="p14">
+      <p:transition p14:dur="2000" advClick="1"/>
+    </mc:Choice>
+    <mc:Fallback>
+      <p:transition advClick="1"/>
+    </mc:Fallback>
+  </mc:AlternateContent>
+</p:sld>
+</file>
+
+<file path=ppt/slides/slide3.xml><?xml version="1.0" encoding="utf-8"?>
+<p:sld xmlns:a="http://schemas.openxmlformats.org/drawingml/2006/main" xmlns:r="http://schemas.openxmlformats.org/officeDocument/2006/relationships" xmlns:p="http://schemas.openxmlformats.org/presentationml/2006/main" xmlns:m="http://schemas.openxmlformats.org/officeDocument/2006/math" xmlns:w="http://schemas.openxmlformats.org/wordprocessingml/2006/main" showMasterPhAnim="0" show="1">
+  <p:cSld name="">
+    <p:spTree>
+      <p:nvGrpSpPr>
+        <p:cNvPr id="1" name=""/>
+        <p:cNvGrpSpPr/>
+        <p:nvPr/>
+      </p:nvGrpSpPr>
+      <p:grpSpPr bwMode="auto">
+        <a:xfrm>
+          <a:off x="0" y="0"/>
+          <a:ext cx="0" cy="0"/>
+          <a:chOff x="0" y="0"/>
+          <a:chExt cx="0" cy="0"/>
+        </a:xfrm>
+      </p:grpSpPr>
+      <p:sp>
+        <p:nvSpPr>
+          <p:cNvPr id="79818333" name=""/>
+          <p:cNvSpPr txBox="1"/>
+          <p:nvPr/>
+        </p:nvSpPr>
+        <p:spPr bwMode="auto">
+          <a:xfrm flipH="0" flipV="0">
+            <a:off x="2772749" y="438149"/>
+            <a:ext cx="6780389" cy="640440"/>
+          </a:xfrm>
+          <a:prstGeom prst="rect">
+            <a:avLst/>
+          </a:prstGeom>
+          <a:noFill/>
+        </p:spPr>
+        <p:txBody>
+          <a:bodyPr vertOverflow="overflow" horzOverflow="overflow" vert="horz" wrap="square" lIns="91440" tIns="45720" rIns="91440" bIns="45720" numCol="1" spcCol="0" rtlCol="0" fromWordArt="0" anchor="t" anchorCtr="0" forceAA="0" upright="0" compatLnSpc="0">
+            <a:spAutoFit/>
+          </a:bodyPr>
+          <a:p>
+            <a:pPr algn="ctr">
+              <a:defRPr/>
+            </a:pPr>
+            <a:r>
+              <a:rPr lang="ru-RU" sz="3600" b="0" i="0" u="none" strike="noStrike" cap="none" spc="0">
+                <a:solidFill>
+                  <a:srgbClr val="000000"/>
+                </a:solidFill>
+                <a:latin typeface="Liberation Sans"/>
+                <a:ea typeface="Liberation Sans"/>
+                <a:cs typeface="Liberation Sans"/>
+              </a:rPr>
+              <a:t>Описание проекта</a:t>
+            </a:r>
+            <a:endParaRPr/>
+          </a:p>
+        </p:txBody>
+      </p:sp>
+      <p:sp>
+        <p:nvSpPr>
+          <p:cNvPr id="487413370" name=""/>
+          <p:cNvSpPr txBox="1"/>
+          <p:nvPr/>
+        </p:nvSpPr>
+        <p:spPr bwMode="auto">
+          <a:xfrm flipH="0" flipV="0">
+            <a:off x="1553549" y="1314450"/>
+            <a:ext cx="9850289" cy="3139799"/>
+          </a:xfrm>
+          <a:prstGeom prst="rect">
+            <a:avLst/>
+          </a:prstGeom>
+          <a:noFill/>
+        </p:spPr>
+        <p:txBody>
+          <a:bodyPr vertOverflow="overflow" horzOverflow="overflow" vert="horz" wrap="square" lIns="91440" tIns="45720" rIns="91440" bIns="45720" numCol="1" spcCol="0" rtlCol="0" fromWordArt="0" anchor="t" anchorCtr="0" forceAA="0" upright="0" compatLnSpc="0">
+            <a:spAutoFit/>
+          </a:bodyPr>
+          <a:p>
+            <a:pPr>
+              <a:defRPr/>
+            </a:pPr>
+            <a:r>
+              <a:rPr sz="2000" b="0" i="0" u="none">
+                <a:solidFill>
+                  <a:srgbClr val="000000"/>
+                </a:solidFill>
+                <a:latin typeface="Segoe UI"/>
+                <a:ea typeface="Segoe UI"/>
+                <a:cs typeface="Segoe UI"/>
+              </a:rPr>
+              <a:t>Проект направлен на разработку и создание компьютерной программы на языке Python 3.10 с использованием библиотеки PyQt6. Срок реализации проекта – до 19 ноября 2024 года. Главной целью является создание программы для наглядной демонстрации волновых свойств: интерференция, дифракция, дисперсия, отражение и  преломление. Целевое использование – применение на уроках физики, для наглядной демонстрации свойств волн. Программа должна реализовать возможность создания источников волновых возмущений направляемых пользователем и создание сред с разнообразными характеристиками.</a:t>
+            </a:r>
+            <a:endParaRPr sz="2000"/>
+          </a:p>
+        </p:txBody>
+      </p:sp>
+    </p:spTree>
+  </p:cSld>
+  <p:clrMapOvr>
+    <a:masterClrMapping/>
+  </p:clrMapOvr>
+  <mc:AlternateContent xmlns:mc="http://schemas.openxmlformats.org/markup-compatibility/2006">
+    <mc:Choice xmlns:p14="http://schemas.microsoft.com/office/powerpoint/2010/main" Requires="p14">
+      <p:transition p14:dur="2000" advClick="1"/>
+    </mc:Choice>
+    <mc:Fallback>
+      <p:transition advClick="1"/>
+    </mc:Fallback>
+  </mc:AlternateContent>
+</p:sld>
+</file>
+
+<file path=ppt/slides/slide4.xml><?xml version="1.0" encoding="utf-8"?>
+<p:sld xmlns:a="http://schemas.openxmlformats.org/drawingml/2006/main" xmlns:r="http://schemas.openxmlformats.org/officeDocument/2006/relationships" xmlns:p="http://schemas.openxmlformats.org/presentationml/2006/main" xmlns:m="http://schemas.openxmlformats.org/officeDocument/2006/math" xmlns:w="http://schemas.openxmlformats.org/wordprocessingml/2006/main" showMasterPhAnim="0" show="1">
+  <p:cSld name="">
+    <p:spTree>
+      <p:nvGrpSpPr>
+        <p:cNvPr id="1" name=""/>
+        <p:cNvGrpSpPr/>
+        <p:nvPr/>
+      </p:nvGrpSpPr>
+      <p:grpSpPr bwMode="auto">
+        <a:xfrm>
+          <a:off x="0" y="0"/>
+          <a:ext cx="0" cy="0"/>
+          <a:chOff x="0" y="0"/>
+          <a:chExt cx="0" cy="0"/>
+        </a:xfrm>
+      </p:grpSpPr>
+      <p:sp>
+        <p:nvSpPr>
+          <p:cNvPr id="1070841474" name="PlaceHolder 1"/>
+          <p:cNvSpPr>
+            <a:spLocks noGrp="1"/>
+          </p:cNvSpPr>
+          <p:nvPr>
+            <p:ph type="title"/>
+          </p:nvPr>
+        </p:nvSpPr>
+        <p:spPr bwMode="auto">
+          <a:xfrm flipH="0" flipV="0">
+            <a:off x="1523880" y="523873"/>
+            <a:ext cx="9142920" cy="689518"/>
+          </a:xfrm>
+          <a:prstGeom prst="rect">
+            <a:avLst/>
+          </a:prstGeom>
+          <a:noFill/>
+          <a:ln w="0">
+            <a:noFill/>
+          </a:ln>
+        </p:spPr>
+        <p:txBody>
+          <a:bodyPr lIns="0" tIns="0" rIns="0" bIns="0" anchor="b">
+            <a:noAutofit/>
+          </a:bodyPr>
+          <a:p>
+            <a:pPr indent="0" algn="ctr">
+              <a:buNone/>
+              <a:defRPr/>
+            </a:pPr>
+            <a:r>
+              <a:rPr sz="3600" b="0" strike="noStrike" spc="0">
+                <a:solidFill>
+                  <a:srgbClr val="000000"/>
+                </a:solidFill>
+                <a:latin typeface="Liberation Sans"/>
+                <a:cs typeface="Liberation Sans"/>
+              </a:rPr>
+              <a:t>Цели</a:t>
+            </a:r>
+            <a:endParaRPr sz="3600" b="0" strike="noStrike" spc="0">
+              <a:solidFill>
+                <a:srgbClr val="000000"/>
+              </a:solidFill>
+              <a:latin typeface="Liberation Sans"/>
+              <a:cs typeface="Liberation Sans"/>
+            </a:endParaRPr>
+          </a:p>
+        </p:txBody>
+      </p:sp>
+      <p:sp>
+        <p:nvSpPr>
+          <p:cNvPr id="244112536" name="PlaceHolder 2"/>
+          <p:cNvSpPr>
+            <a:spLocks noGrp="1"/>
+          </p:cNvSpPr>
+          <p:nvPr>
+            <p:ph type="subTitle"/>
+          </p:nvPr>
+        </p:nvSpPr>
+        <p:spPr bwMode="auto">
+          <a:xfrm flipH="0" flipV="0">
+            <a:off x="1523880" y="1895473"/>
+            <a:ext cx="9142920" cy="3361243"/>
+          </a:xfrm>
+          <a:prstGeom prst="rect">
+            <a:avLst/>
+          </a:prstGeom>
+          <a:noFill/>
+          <a:ln w="0">
+            <a:noFill/>
+          </a:ln>
+        </p:spPr>
+        <p:txBody>
+          <a:bodyPr lIns="0" tIns="0" rIns="0" bIns="0" anchor="t">
+            <a:noAutofit/>
+          </a:bodyPr>
+          <a:p>
+            <a:pPr marL="0" indent="0" algn="l">
+              <a:buFont typeface="Arial"/>
+              <a:buNone/>
+              <a:defRPr/>
+            </a:pPr>
+            <a:r>
+              <a:rPr sz="2400" b="0" strike="noStrike" spc="0">
+                <a:solidFill>
+                  <a:srgbClr val="000000"/>
+                </a:solidFill>
+                <a:latin typeface="Liberation Sans"/>
+                <a:cs typeface="Liberation Sans"/>
+              </a:rPr>
+              <a:t>Создать учебную программу, позволяющую на</a:t>
+            </a:r>
+            <a:r>
+              <a:rPr sz="2400" b="0" strike="noStrike" spc="0">
+                <a:solidFill>
+                  <a:srgbClr val="000000"/>
+                </a:solidFill>
+                <a:latin typeface="Liberation Sans"/>
+                <a:cs typeface="Liberation Sans"/>
+              </a:rPr>
+              <a:t>глядно продемонстрировать свойства света, что упростит изучение данной темы школьникам. </a:t>
+            </a:r>
+            <a:endParaRPr sz="2400" b="0" strike="noStrike" spc="0">
+              <a:solidFill>
+                <a:srgbClr val="000000"/>
+              </a:solidFill>
+              <a:latin typeface="Liberation Sans"/>
+              <a:cs typeface="Liberation Sans"/>
+            </a:endParaRPr>
+          </a:p>
+          <a:p>
+            <a:pPr marL="0" indent="0" algn="ctr">
+              <a:buFont typeface="Arial"/>
+              <a:buNone/>
+              <a:defRPr/>
+            </a:pPr>
+            <a:r>
+              <a:rPr sz="3600" b="0" strike="noStrike" spc="0">
+                <a:solidFill>
+                  <a:srgbClr val="000000"/>
+                </a:solidFill>
+                <a:latin typeface="Liberation Sans"/>
+                <a:cs typeface="Liberation Sans"/>
+              </a:rPr>
+              <a:t>Задачи</a:t>
+            </a:r>
+            <a:endParaRPr sz="3600" b="0" strike="noStrike" spc="0">
+              <a:solidFill>
+                <a:srgbClr val="000000"/>
+              </a:solidFill>
+              <a:latin typeface="Liberation Sans"/>
+              <a:cs typeface="Liberation Sans"/>
+            </a:endParaRPr>
+          </a:p>
+          <a:p>
+            <a:pPr marL="349965" indent="-349965" algn="l">
+              <a:buFont typeface="Arial"/>
+              <a:buAutoNum type="arabicParenR"/>
+              <a:defRPr/>
+            </a:pPr>
+            <a:r>
+              <a:rPr sz="2400" b="0" strike="noStrike" spc="0">
+                <a:solidFill>
+                  <a:srgbClr val="000000"/>
+                </a:solidFill>
+                <a:latin typeface="Liberation Sans"/>
+                <a:cs typeface="Liberation Sans"/>
+              </a:rPr>
+              <a:t>Создание пользовательского интерфейса</a:t>
+            </a:r>
+            <a:endParaRPr sz="2400" b="0" strike="noStrike" spc="0">
+              <a:solidFill>
+                <a:srgbClr val="000000"/>
+              </a:solidFill>
+              <a:latin typeface="Liberation Sans"/>
+              <a:cs typeface="Liberation Sans"/>
+            </a:endParaRPr>
+          </a:p>
+          <a:p>
+            <a:pPr marL="349965" indent="-349965" algn="l">
+              <a:buFont typeface="Arial"/>
+              <a:buAutoNum type="arabicParenR"/>
+              <a:defRPr/>
+            </a:pPr>
+            <a:r>
+              <a:rPr sz="2400" b="0" strike="noStrike" spc="0">
+                <a:solidFill>
+                  <a:srgbClr val="000000"/>
+                </a:solidFill>
+                <a:latin typeface="Liberation Sans"/>
+                <a:cs typeface="Liberation Sans"/>
+              </a:rPr>
+              <a:t>Написание физической модели</a:t>
+            </a:r>
+            <a:endParaRPr sz="2400" b="0" strike="noStrike" spc="0">
+              <a:solidFill>
+                <a:srgbClr val="000000"/>
+              </a:solidFill>
+              <a:latin typeface="Liberation Sans"/>
+              <a:cs typeface="Liberation Sans"/>
+            </a:endParaRPr>
+          </a:p>
+          <a:p>
+            <a:pPr marL="349965" indent="-349965" algn="l">
+              <a:buFont typeface="Arial"/>
+              <a:buAutoNum type="arabicParenR"/>
+              <a:defRPr/>
+            </a:pPr>
+            <a:r>
+              <a:rPr sz="2400" b="0" strike="noStrike" spc="0">
+                <a:solidFill>
+                  <a:srgbClr val="000000"/>
+                </a:solidFill>
+                <a:latin typeface="Liberation Sans"/>
+                <a:cs typeface="Liberation Sans"/>
+              </a:rPr>
+              <a:t>Оптимизация модели</a:t>
+            </a:r>
+            <a:endParaRPr sz="2400" b="0" strike="noStrike" spc="0">
+              <a:solidFill>
+                <a:srgbClr val="000000"/>
+              </a:solidFill>
+              <a:latin typeface="Liberation Sans"/>
+              <a:cs typeface="Liberation Sans"/>
+            </a:endParaRPr>
+          </a:p>
+          <a:p>
+            <a:pPr marL="349965" indent="-349965" algn="l">
+              <a:buFont typeface="Arial"/>
+              <a:buAutoNum type="arabicParenR"/>
+              <a:defRPr/>
+            </a:pPr>
+            <a:r>
+              <a:rPr sz="2400" b="0" strike="noStrike" spc="0">
+                <a:solidFill>
+                  <a:srgbClr val="000000"/>
+                </a:solidFill>
+                <a:latin typeface="Liberation Sans"/>
+                <a:cs typeface="Liberation Sans"/>
+              </a:rPr>
+              <a:t>Поиск и исправление ошибок</a:t>
+            </a:r>
+            <a:endParaRPr sz="2400" b="0" strike="noStrike" spc="0">
+              <a:solidFill>
+                <a:srgbClr val="000000"/>
+              </a:solidFill>
+              <a:latin typeface="Liberation Sans"/>
+              <a:cs typeface="Liberation Sans"/>
+            </a:endParaRPr>
+          </a:p>
+        </p:txBody>
+      </p:sp>
     </p:spTree>
   </p:cSld>
   <p:clrMapOvr>
@@ -4557,7 +6530,7 @@
 </file>
 
 <file path=ppt/theme/theme1.xml><?xml version="1.0" encoding="utf-8"?>
-<a:theme xmlns:a="http://schemas.openxmlformats.org/drawingml/2006/main" xmlns:r="http://schemas.openxmlformats.org/officeDocument/2006/relationships" xmlns:p="http://schemas.openxmlformats.org/presentationml/2006/main" name="Corner">
+<a:theme xmlns:a="http://schemas.openxmlformats.org/drawingml/2006/main" xmlns:r="http://schemas.openxmlformats.org/officeDocument/2006/relationships" xmlns:p="http://schemas.openxmlformats.org/presentationml/2006/main" name="Office">
   <a:themeElements>
     <a:clrScheme name="Office">
       <a:dk1>
